--- a/src/14.Inductive_Definitions/Recursion.pptx
+++ b/src/14.Inductive_Definitions/Recursion.pptx
@@ -5,7 +5,7 @@
     <p:sldMasterId id="2147483648" r:id="rId1"/>
   </p:sldMasterIdLst>
   <p:notesMasterIdLst>
-    <p:notesMasterId r:id="rId9"/>
+    <p:notesMasterId r:id="rId18"/>
   </p:notesMasterIdLst>
   <p:sldIdLst>
     <p:sldId id="258" r:id="rId2"/>
@@ -14,7 +14,16 @@
     <p:sldId id="372" r:id="rId5"/>
     <p:sldId id="371" r:id="rId6"/>
     <p:sldId id="357" r:id="rId7"/>
-    <p:sldId id="261" r:id="rId8"/>
+    <p:sldId id="373" r:id="rId8"/>
+    <p:sldId id="374" r:id="rId9"/>
+    <p:sldId id="375" r:id="rId10"/>
+    <p:sldId id="376" r:id="rId11"/>
+    <p:sldId id="377" r:id="rId12"/>
+    <p:sldId id="379" r:id="rId13"/>
+    <p:sldId id="378" r:id="rId14"/>
+    <p:sldId id="380" r:id="rId15"/>
+    <p:sldId id="381" r:id="rId16"/>
+    <p:sldId id="261" r:id="rId17"/>
   </p:sldIdLst>
   <p:sldSz cx="12192000" cy="6858000"/>
   <p:notesSz cx="6858000" cy="9144000"/>
@@ -203,7 +212,7 @@
           <a:p>
             <a:fld id="{A5C20BB3-3CCB-4FE5-991B-82F6BCB48AF3}" type="datetimeFigureOut">
               <a:rPr lang="en-US" smtClean="0"/>
-              <a:t>11/27/18</a:t>
+              <a:t>12/4/18</a:t>
             </a:fld>
             <a:endParaRPr lang="en-US"/>
           </a:p>
@@ -599,7 +608,7 @@
           <a:p>
             <a:fld id="{B6C1A396-ADAF-C049-ABC6-C32D7D1CCAD8}" type="datetime1">
               <a:rPr lang="en-US" smtClean="0"/>
-              <a:t>11/27/18</a:t>
+              <a:t>12/4/18</a:t>
             </a:fld>
             <a:endParaRPr lang="en-US"/>
           </a:p>
@@ -767,7 +776,7 @@
           <a:p>
             <a:fld id="{1E275737-3B4B-C743-819D-3D7767301481}" type="datetime1">
               <a:rPr lang="en-US" smtClean="0"/>
-              <a:t>11/27/18</a:t>
+              <a:t>12/4/18</a:t>
             </a:fld>
             <a:endParaRPr lang="en-US"/>
           </a:p>
@@ -945,7 +954,7 @@
           <a:p>
             <a:fld id="{23E60EA0-28A6-2A4C-A0DF-F463B4716CF4}" type="datetime1">
               <a:rPr lang="en-US" smtClean="0"/>
-              <a:t>11/27/18</a:t>
+              <a:t>12/4/18</a:t>
             </a:fld>
             <a:endParaRPr lang="en-US"/>
           </a:p>
@@ -1113,7 +1122,7 @@
           <a:p>
             <a:fld id="{7F4ADCAF-FE79-6D4A-8F0C-FF6B2DC49B87}" type="datetime1">
               <a:rPr lang="en-US" smtClean="0"/>
-              <a:t>11/27/18</a:t>
+              <a:t>12/4/18</a:t>
             </a:fld>
             <a:endParaRPr lang="en-US"/>
           </a:p>
@@ -1358,7 +1367,7 @@
           <a:p>
             <a:fld id="{BB4170EC-B8E8-F84E-B40B-4CA40E87F0F1}" type="datetime1">
               <a:rPr lang="en-US" smtClean="0"/>
-              <a:t>11/27/18</a:t>
+              <a:t>12/4/18</a:t>
             </a:fld>
             <a:endParaRPr lang="en-US"/>
           </a:p>
@@ -1587,7 +1596,7 @@
           <a:p>
             <a:fld id="{3549A180-BBB6-AB44-9EC6-613957D9BC21}" type="datetime1">
               <a:rPr lang="en-US" smtClean="0"/>
-              <a:t>11/27/18</a:t>
+              <a:t>12/4/18</a:t>
             </a:fld>
             <a:endParaRPr lang="en-US"/>
           </a:p>
@@ -1951,7 +1960,7 @@
           <a:p>
             <a:fld id="{A29669B0-2692-6042-A028-87F920E9CE7A}" type="datetime1">
               <a:rPr lang="en-US" smtClean="0"/>
-              <a:t>11/27/18</a:t>
+              <a:t>12/4/18</a:t>
             </a:fld>
             <a:endParaRPr lang="en-US"/>
           </a:p>
@@ -2068,7 +2077,7 @@
           <a:p>
             <a:fld id="{26B5280F-B487-C54A-8A7A-C35A806AF023}" type="datetime1">
               <a:rPr lang="en-US" smtClean="0"/>
-              <a:t>11/27/18</a:t>
+              <a:t>12/4/18</a:t>
             </a:fld>
             <a:endParaRPr lang="en-US"/>
           </a:p>
@@ -2163,7 +2172,7 @@
           <a:p>
             <a:fld id="{FAAE216B-9CF3-A14B-9A92-B9DABF79BFCE}" type="datetime1">
               <a:rPr lang="en-US" smtClean="0"/>
-              <a:t>11/27/18</a:t>
+              <a:t>12/4/18</a:t>
             </a:fld>
             <a:endParaRPr lang="en-US"/>
           </a:p>
@@ -2438,7 +2447,7 @@
           <a:p>
             <a:fld id="{5B8013A5-7B70-2548-B20A-4534B630AB6C}" type="datetime1">
               <a:rPr lang="en-US" smtClean="0"/>
-              <a:t>11/27/18</a:t>
+              <a:t>12/4/18</a:t>
             </a:fld>
             <a:endParaRPr lang="en-US"/>
           </a:p>
@@ -2693,7 +2702,7 @@
           <a:p>
             <a:fld id="{E9928226-EDE2-0A4C-81FC-AFBDD145D237}" type="datetime1">
               <a:rPr lang="en-US" smtClean="0"/>
-              <a:t>11/27/18</a:t>
+              <a:t>12/4/18</a:t>
             </a:fld>
             <a:endParaRPr lang="en-US"/>
           </a:p>
@@ -2904,7 +2913,7 @@
           <a:p>
             <a:fld id="{7D3EA1F3-586E-4B46-9B9A-D49AC241EEC9}" type="datetime1">
               <a:rPr lang="en-US" smtClean="0"/>
-              <a:t>11/27/18</a:t>
+              <a:t>12/4/18</a:t>
             </a:fld>
             <a:endParaRPr lang="en-US"/>
           </a:p>
@@ -3523,6 +3532,2915 @@
 </p:sld>
 </file>
 
+<file path=ppt/slides/slide10.xml><?xml version="1.0" encoding="utf-8"?>
+<p:sld xmlns:a="http://schemas.openxmlformats.org/drawingml/2006/main" xmlns:r="http://schemas.openxmlformats.org/officeDocument/2006/relationships" xmlns:p="http://schemas.openxmlformats.org/presentationml/2006/main">
+  <p:cSld>
+    <p:spTree>
+      <p:nvGrpSpPr>
+        <p:cNvPr id="1" name=""/>
+        <p:cNvGrpSpPr/>
+        <p:nvPr/>
+      </p:nvGrpSpPr>
+      <p:grpSpPr>
+        <a:xfrm>
+          <a:off x="0" y="0"/>
+          <a:ext cx="0" cy="0"/>
+          <a:chOff x="0" y="0"/>
+          <a:chExt cx="0" cy="0"/>
+        </a:xfrm>
+      </p:grpSpPr>
+      <p:sp>
+        <p:nvSpPr>
+          <p:cNvPr id="2" name="Title 1">
+            <a:extLst>
+              <a:ext uri="{FF2B5EF4-FFF2-40B4-BE49-F238E27FC236}">
+                <a16:creationId xmlns:a16="http://schemas.microsoft.com/office/drawing/2014/main" id="{02EEFA63-A1BF-284E-B23D-59803342EBD1}"/>
+              </a:ext>
+            </a:extLst>
+          </p:cNvPr>
+          <p:cNvSpPr>
+            <a:spLocks noGrp="1"/>
+          </p:cNvSpPr>
+          <p:nvPr>
+            <p:ph type="title"/>
+          </p:nvPr>
+        </p:nvSpPr>
+        <p:spPr/>
+        <p:txBody>
+          <a:bodyPr/>
+          <a:lstStyle/>
+          <a:p>
+            <a:r>
+              <a:rPr lang="en-US" dirty="0"/>
+              <a:t>Exercises</a:t>
+            </a:r>
+          </a:p>
+        </p:txBody>
+      </p:sp>
+      <p:sp>
+        <p:nvSpPr>
+          <p:cNvPr id="3" name="Content Placeholder 2">
+            <a:extLst>
+              <a:ext uri="{FF2B5EF4-FFF2-40B4-BE49-F238E27FC236}">
+                <a16:creationId xmlns:a16="http://schemas.microsoft.com/office/drawing/2014/main" id="{B8C4AB5F-33E4-1D44-A96F-1037BA749C6C}"/>
+              </a:ext>
+            </a:extLst>
+          </p:cNvPr>
+          <p:cNvSpPr>
+            <a:spLocks noGrp="1"/>
+          </p:cNvSpPr>
+          <p:nvPr>
+            <p:ph idx="1"/>
+          </p:nvPr>
+        </p:nvSpPr>
+        <p:spPr/>
+        <p:txBody>
+          <a:bodyPr>
+            <a:normAutofit fontScale="77500" lnSpcReduction="20000"/>
+          </a:bodyPr>
+          <a:lstStyle/>
+          <a:p>
+            <a:pPr marL="514350" indent="-514350">
+              <a:buFont typeface="+mj-lt"/>
+              <a:buAutoNum type="arabicPeriod"/>
+            </a:pPr>
+            <a:r>
+              <a:rPr lang="en-US" dirty="0"/>
+              <a:t>We just implemented addition as the recursive (iterated) application of the successor function. Now you are to implement multiplication as iterated addition.</a:t>
+            </a:r>
+          </a:p>
+          <a:p>
+            <a:pPr marL="0" indent="0">
+              <a:buNone/>
+            </a:pPr>
+            <a:r>
+              <a:rPr lang="en-US" dirty="0">
+                <a:latin typeface="Courier New" panose="02070309020205020404" pitchFamily="49" charset="0"/>
+                <a:cs typeface="Courier New" panose="02070309020205020404" pitchFamily="49" charset="0"/>
+              </a:rPr>
+              <a:t>def </a:t>
+            </a:r>
+            <a:r>
+              <a:rPr lang="en-US" dirty="0" err="1">
+                <a:latin typeface="Courier New" panose="02070309020205020404" pitchFamily="49" charset="0"/>
+                <a:cs typeface="Courier New" panose="02070309020205020404" pitchFamily="49" charset="0"/>
+              </a:rPr>
+              <a:t>mul_mynat</a:t>
+            </a:r>
+            <a:r>
+              <a:rPr lang="en-US" dirty="0">
+                <a:latin typeface="Courier New" panose="02070309020205020404" pitchFamily="49" charset="0"/>
+                <a:cs typeface="Courier New" panose="02070309020205020404" pitchFamily="49" charset="0"/>
+              </a:rPr>
+              <a:t>: </a:t>
+            </a:r>
+            <a:r>
+              <a:rPr lang="en-US" dirty="0" err="1">
+                <a:latin typeface="Courier New" panose="02070309020205020404" pitchFamily="49" charset="0"/>
+                <a:cs typeface="Courier New" panose="02070309020205020404" pitchFamily="49" charset="0"/>
+              </a:rPr>
+              <a:t>mynat</a:t>
+            </a:r>
+            <a:r>
+              <a:rPr lang="en-US" dirty="0">
+                <a:latin typeface="Courier New" panose="02070309020205020404" pitchFamily="49" charset="0"/>
+                <a:cs typeface="Courier New" panose="02070309020205020404" pitchFamily="49" charset="0"/>
+              </a:rPr>
+              <a:t> → </a:t>
+            </a:r>
+            <a:r>
+              <a:rPr lang="en-US" dirty="0" err="1">
+                <a:latin typeface="Courier New" panose="02070309020205020404" pitchFamily="49" charset="0"/>
+                <a:cs typeface="Courier New" panose="02070309020205020404" pitchFamily="49" charset="0"/>
+              </a:rPr>
+              <a:t>mynat</a:t>
+            </a:r>
+            <a:r>
+              <a:rPr lang="en-US" dirty="0">
+                <a:latin typeface="Courier New" panose="02070309020205020404" pitchFamily="49" charset="0"/>
+                <a:cs typeface="Courier New" panose="02070309020205020404" pitchFamily="49" charset="0"/>
+              </a:rPr>
+              <a:t> → </a:t>
+            </a:r>
+            <a:r>
+              <a:rPr lang="en-US" dirty="0" err="1">
+                <a:latin typeface="Courier New" panose="02070309020205020404" pitchFamily="49" charset="0"/>
+                <a:cs typeface="Courier New" panose="02070309020205020404" pitchFamily="49" charset="0"/>
+              </a:rPr>
+              <a:t>mynat</a:t>
+            </a:r>
+            <a:br>
+              <a:rPr lang="en-US" dirty="0">
+                <a:latin typeface="Courier New" panose="02070309020205020404" pitchFamily="49" charset="0"/>
+                <a:cs typeface="Courier New" panose="02070309020205020404" pitchFamily="49" charset="0"/>
+              </a:rPr>
+            </a:br>
+            <a:r>
+              <a:rPr lang="en-US" dirty="0">
+                <a:latin typeface="Courier New" panose="02070309020205020404" pitchFamily="49" charset="0"/>
+                <a:cs typeface="Courier New" panose="02070309020205020404" pitchFamily="49" charset="0"/>
+              </a:rPr>
+              <a:t>| </a:t>
+            </a:r>
+            <a:r>
+              <a:rPr lang="en-US" dirty="0" err="1">
+                <a:latin typeface="Courier New" panose="02070309020205020404" pitchFamily="49" charset="0"/>
+                <a:cs typeface="Courier New" panose="02070309020205020404" pitchFamily="49" charset="0"/>
+              </a:rPr>
+              <a:t>mynat.zero</a:t>
+            </a:r>
+            <a:r>
+              <a:rPr lang="en-US" dirty="0">
+                <a:latin typeface="Courier New" panose="02070309020205020404" pitchFamily="49" charset="0"/>
+                <a:cs typeface="Courier New" panose="02070309020205020404" pitchFamily="49" charset="0"/>
+              </a:rPr>
+              <a:t> m := zero</a:t>
+            </a:r>
+            <a:br>
+              <a:rPr lang="en-US" dirty="0">
+                <a:latin typeface="Courier New" panose="02070309020205020404" pitchFamily="49" charset="0"/>
+                <a:cs typeface="Courier New" panose="02070309020205020404" pitchFamily="49" charset="0"/>
+              </a:rPr>
+            </a:br>
+            <a:r>
+              <a:rPr lang="en-US" dirty="0">
+                <a:latin typeface="Courier New" panose="02070309020205020404" pitchFamily="49" charset="0"/>
+                <a:cs typeface="Courier New" panose="02070309020205020404" pitchFamily="49" charset="0"/>
+              </a:rPr>
+              <a:t>| (</a:t>
+            </a:r>
+            <a:r>
+              <a:rPr lang="en-US" dirty="0" err="1">
+                <a:latin typeface="Courier New" panose="02070309020205020404" pitchFamily="49" charset="0"/>
+                <a:cs typeface="Courier New" panose="02070309020205020404" pitchFamily="49" charset="0"/>
+              </a:rPr>
+              <a:t>mynat.succ</a:t>
+            </a:r>
+            <a:r>
+              <a:rPr lang="en-US" dirty="0">
+                <a:latin typeface="Courier New" panose="02070309020205020404" pitchFamily="49" charset="0"/>
+                <a:cs typeface="Courier New" panose="02070309020205020404" pitchFamily="49" charset="0"/>
+              </a:rPr>
+              <a:t> n') m := </a:t>
+            </a:r>
+            <a:r>
+              <a:rPr lang="en-US" dirty="0" err="1">
+                <a:latin typeface="Courier New" panose="02070309020205020404" pitchFamily="49" charset="0"/>
+                <a:cs typeface="Courier New" panose="02070309020205020404" pitchFamily="49" charset="0"/>
+              </a:rPr>
+              <a:t>add_mynat</a:t>
+            </a:r>
+            <a:r>
+              <a:rPr lang="en-US" dirty="0">
+                <a:latin typeface="Courier New" panose="02070309020205020404" pitchFamily="49" charset="0"/>
+                <a:cs typeface="Courier New" panose="02070309020205020404" pitchFamily="49" charset="0"/>
+              </a:rPr>
+              <a:t> m (</a:t>
+            </a:r>
+            <a:r>
+              <a:rPr lang="en-US" dirty="0" err="1">
+                <a:latin typeface="Courier New" panose="02070309020205020404" pitchFamily="49" charset="0"/>
+                <a:cs typeface="Courier New" panose="02070309020205020404" pitchFamily="49" charset="0"/>
+              </a:rPr>
+              <a:t>mul_mynat</a:t>
+            </a:r>
+            <a:r>
+              <a:rPr lang="en-US" dirty="0">
+                <a:latin typeface="Courier New" panose="02070309020205020404" pitchFamily="49" charset="0"/>
+                <a:cs typeface="Courier New" panose="02070309020205020404" pitchFamily="49" charset="0"/>
+              </a:rPr>
+              <a:t> n' m)</a:t>
+            </a:r>
+          </a:p>
+          <a:p>
+            <a:pPr marL="514350" indent="-514350">
+              <a:buFont typeface="+mj-lt"/>
+              <a:buAutoNum type="arabicPeriod" startAt="2"/>
+            </a:pPr>
+            <a:r>
+              <a:rPr lang="en-US" dirty="0"/>
+              <a:t>Implement exponentiation as iterated multiplication.</a:t>
+            </a:r>
+          </a:p>
+          <a:p>
+            <a:pPr marL="0" indent="0">
+              <a:buNone/>
+            </a:pPr>
+            <a:r>
+              <a:rPr lang="en-US" dirty="0">
+                <a:latin typeface="Courier New" panose="02070309020205020404" pitchFamily="49" charset="0"/>
+                <a:cs typeface="Courier New" panose="02070309020205020404" pitchFamily="49" charset="0"/>
+              </a:rPr>
+              <a:t>def </a:t>
+            </a:r>
+            <a:r>
+              <a:rPr lang="en-US" dirty="0" err="1">
+                <a:latin typeface="Courier New" panose="02070309020205020404" pitchFamily="49" charset="0"/>
+                <a:cs typeface="Courier New" panose="02070309020205020404" pitchFamily="49" charset="0"/>
+              </a:rPr>
+              <a:t>exp_mynat</a:t>
+            </a:r>
+            <a:r>
+              <a:rPr lang="en-US" dirty="0">
+                <a:latin typeface="Courier New" panose="02070309020205020404" pitchFamily="49" charset="0"/>
+                <a:cs typeface="Courier New" panose="02070309020205020404" pitchFamily="49" charset="0"/>
+              </a:rPr>
+              <a:t>: </a:t>
+            </a:r>
+            <a:r>
+              <a:rPr lang="en-US" dirty="0" err="1">
+                <a:latin typeface="Courier New" panose="02070309020205020404" pitchFamily="49" charset="0"/>
+                <a:cs typeface="Courier New" panose="02070309020205020404" pitchFamily="49" charset="0"/>
+              </a:rPr>
+              <a:t>mynat</a:t>
+            </a:r>
+            <a:r>
+              <a:rPr lang="en-US" dirty="0">
+                <a:latin typeface="Courier New" panose="02070309020205020404" pitchFamily="49" charset="0"/>
+                <a:cs typeface="Courier New" panose="02070309020205020404" pitchFamily="49" charset="0"/>
+              </a:rPr>
+              <a:t> → </a:t>
+            </a:r>
+            <a:r>
+              <a:rPr lang="en-US" dirty="0" err="1">
+                <a:latin typeface="Courier New" panose="02070309020205020404" pitchFamily="49" charset="0"/>
+                <a:cs typeface="Courier New" panose="02070309020205020404" pitchFamily="49" charset="0"/>
+              </a:rPr>
+              <a:t>mynat</a:t>
+            </a:r>
+            <a:r>
+              <a:rPr lang="en-US" dirty="0">
+                <a:latin typeface="Courier New" panose="02070309020205020404" pitchFamily="49" charset="0"/>
+                <a:cs typeface="Courier New" panose="02070309020205020404" pitchFamily="49" charset="0"/>
+              </a:rPr>
+              <a:t> → </a:t>
+            </a:r>
+            <a:r>
+              <a:rPr lang="en-US" dirty="0" err="1">
+                <a:latin typeface="Courier New" panose="02070309020205020404" pitchFamily="49" charset="0"/>
+                <a:cs typeface="Courier New" panose="02070309020205020404" pitchFamily="49" charset="0"/>
+              </a:rPr>
+              <a:t>mynat</a:t>
+            </a:r>
+            <a:br>
+              <a:rPr lang="en-US" dirty="0">
+                <a:latin typeface="Courier New" panose="02070309020205020404" pitchFamily="49" charset="0"/>
+                <a:cs typeface="Courier New" panose="02070309020205020404" pitchFamily="49" charset="0"/>
+              </a:rPr>
+            </a:br>
+            <a:r>
+              <a:rPr lang="en-US" dirty="0">
+                <a:latin typeface="Courier New" panose="02070309020205020404" pitchFamily="49" charset="0"/>
+                <a:cs typeface="Courier New" panose="02070309020205020404" pitchFamily="49" charset="0"/>
+              </a:rPr>
+              <a:t>| </a:t>
+            </a:r>
+            <a:r>
+              <a:rPr lang="en-US" dirty="0" err="1">
+                <a:latin typeface="Courier New" panose="02070309020205020404" pitchFamily="49" charset="0"/>
+                <a:cs typeface="Courier New" panose="02070309020205020404" pitchFamily="49" charset="0"/>
+              </a:rPr>
+              <a:t>mynat.zero</a:t>
+            </a:r>
+            <a:r>
+              <a:rPr lang="en-US" dirty="0">
+                <a:latin typeface="Courier New" panose="02070309020205020404" pitchFamily="49" charset="0"/>
+                <a:cs typeface="Courier New" panose="02070309020205020404" pitchFamily="49" charset="0"/>
+              </a:rPr>
+              <a:t> m := zero</a:t>
+            </a:r>
+            <a:br>
+              <a:rPr lang="en-US" dirty="0">
+                <a:latin typeface="Courier New" panose="02070309020205020404" pitchFamily="49" charset="0"/>
+                <a:cs typeface="Courier New" panose="02070309020205020404" pitchFamily="49" charset="0"/>
+              </a:rPr>
+            </a:br>
+            <a:r>
+              <a:rPr lang="en-US" dirty="0">
+                <a:latin typeface="Courier New" panose="02070309020205020404" pitchFamily="49" charset="0"/>
+                <a:cs typeface="Courier New" panose="02070309020205020404" pitchFamily="49" charset="0"/>
+              </a:rPr>
+              <a:t>| (</a:t>
+            </a:r>
+            <a:r>
+              <a:rPr lang="en-US" dirty="0" err="1">
+                <a:latin typeface="Courier New" panose="02070309020205020404" pitchFamily="49" charset="0"/>
+                <a:cs typeface="Courier New" panose="02070309020205020404" pitchFamily="49" charset="0"/>
+              </a:rPr>
+              <a:t>mynat.succ</a:t>
+            </a:r>
+            <a:r>
+              <a:rPr lang="en-US" dirty="0">
+                <a:latin typeface="Courier New" panose="02070309020205020404" pitchFamily="49" charset="0"/>
+                <a:cs typeface="Courier New" panose="02070309020205020404" pitchFamily="49" charset="0"/>
+              </a:rPr>
+              <a:t> n') m := </a:t>
+            </a:r>
+            <a:r>
+              <a:rPr lang="en-US" dirty="0" err="1">
+                <a:latin typeface="Courier New" panose="02070309020205020404" pitchFamily="49" charset="0"/>
+                <a:cs typeface="Courier New" panose="02070309020205020404" pitchFamily="49" charset="0"/>
+              </a:rPr>
+              <a:t>mul_mynat</a:t>
+            </a:r>
+            <a:r>
+              <a:rPr lang="en-US" dirty="0">
+                <a:latin typeface="Courier New" panose="02070309020205020404" pitchFamily="49" charset="0"/>
+                <a:cs typeface="Courier New" panose="02070309020205020404" pitchFamily="49" charset="0"/>
+              </a:rPr>
+              <a:t> m (</a:t>
+            </a:r>
+            <a:r>
+              <a:rPr lang="en-US" dirty="0" err="1">
+                <a:latin typeface="Courier New" panose="02070309020205020404" pitchFamily="49" charset="0"/>
+                <a:cs typeface="Courier New" panose="02070309020205020404" pitchFamily="49" charset="0"/>
+              </a:rPr>
+              <a:t>exp_mynat</a:t>
+            </a:r>
+            <a:r>
+              <a:rPr lang="en-US" dirty="0">
+                <a:latin typeface="Courier New" panose="02070309020205020404" pitchFamily="49" charset="0"/>
+                <a:cs typeface="Courier New" panose="02070309020205020404" pitchFamily="49" charset="0"/>
+              </a:rPr>
+              <a:t> n' m)</a:t>
+            </a:r>
+            <a:endParaRPr lang="en-US" dirty="0"/>
+          </a:p>
+          <a:p>
+            <a:pPr marL="514350" indent="-514350">
+              <a:buFont typeface="+mj-lt"/>
+              <a:buAutoNum type="arabicPeriod" startAt="3"/>
+            </a:pPr>
+            <a:r>
+              <a:rPr lang="en-US" dirty="0"/>
+              <a:t>Take this pattern one step further. What function did you implement? How would you write it in regular math notation?</a:t>
+            </a:r>
+          </a:p>
+          <a:p>
+            <a:pPr marL="0" indent="0">
+              <a:buNone/>
+            </a:pPr>
+            <a:r>
+              <a:rPr lang="en-US" dirty="0">
+                <a:latin typeface="Courier New" panose="02070309020205020404" pitchFamily="49" charset="0"/>
+                <a:cs typeface="Courier New" panose="02070309020205020404" pitchFamily="49" charset="0"/>
+              </a:rPr>
+              <a:t>def </a:t>
+            </a:r>
+            <a:r>
+              <a:rPr lang="en-US" dirty="0" err="1">
+                <a:latin typeface="Courier New" panose="02070309020205020404" pitchFamily="49" charset="0"/>
+                <a:cs typeface="Courier New" panose="02070309020205020404" pitchFamily="49" charset="0"/>
+              </a:rPr>
+              <a:t>tet_mynat</a:t>
+            </a:r>
+            <a:r>
+              <a:rPr lang="en-US" dirty="0">
+                <a:latin typeface="Courier New" panose="02070309020205020404" pitchFamily="49" charset="0"/>
+                <a:cs typeface="Courier New" panose="02070309020205020404" pitchFamily="49" charset="0"/>
+              </a:rPr>
+              <a:t>: </a:t>
+            </a:r>
+            <a:r>
+              <a:rPr lang="en-US" dirty="0" err="1">
+                <a:latin typeface="Courier New" panose="02070309020205020404" pitchFamily="49" charset="0"/>
+                <a:cs typeface="Courier New" panose="02070309020205020404" pitchFamily="49" charset="0"/>
+              </a:rPr>
+              <a:t>mynat</a:t>
+            </a:r>
+            <a:r>
+              <a:rPr lang="en-US" dirty="0">
+                <a:latin typeface="Courier New" panose="02070309020205020404" pitchFamily="49" charset="0"/>
+                <a:cs typeface="Courier New" panose="02070309020205020404" pitchFamily="49" charset="0"/>
+              </a:rPr>
+              <a:t> → </a:t>
+            </a:r>
+            <a:r>
+              <a:rPr lang="en-US" dirty="0" err="1">
+                <a:latin typeface="Courier New" panose="02070309020205020404" pitchFamily="49" charset="0"/>
+                <a:cs typeface="Courier New" panose="02070309020205020404" pitchFamily="49" charset="0"/>
+              </a:rPr>
+              <a:t>mynat</a:t>
+            </a:r>
+            <a:r>
+              <a:rPr lang="en-US" dirty="0">
+                <a:latin typeface="Courier New" panose="02070309020205020404" pitchFamily="49" charset="0"/>
+                <a:cs typeface="Courier New" panose="02070309020205020404" pitchFamily="49" charset="0"/>
+              </a:rPr>
+              <a:t> → </a:t>
+            </a:r>
+            <a:r>
+              <a:rPr lang="en-US" dirty="0" err="1">
+                <a:latin typeface="Courier New" panose="02070309020205020404" pitchFamily="49" charset="0"/>
+                <a:cs typeface="Courier New" panose="02070309020205020404" pitchFamily="49" charset="0"/>
+              </a:rPr>
+              <a:t>mynat</a:t>
+            </a:r>
+            <a:br>
+              <a:rPr lang="en-US" dirty="0">
+                <a:latin typeface="Courier New" panose="02070309020205020404" pitchFamily="49" charset="0"/>
+                <a:cs typeface="Courier New" panose="02070309020205020404" pitchFamily="49" charset="0"/>
+              </a:rPr>
+            </a:br>
+            <a:r>
+              <a:rPr lang="en-US" dirty="0">
+                <a:latin typeface="Courier New" panose="02070309020205020404" pitchFamily="49" charset="0"/>
+                <a:cs typeface="Courier New" panose="02070309020205020404" pitchFamily="49" charset="0"/>
+              </a:rPr>
+              <a:t>| </a:t>
+            </a:r>
+            <a:r>
+              <a:rPr lang="en-US" dirty="0" err="1">
+                <a:latin typeface="Courier New" panose="02070309020205020404" pitchFamily="49" charset="0"/>
+                <a:cs typeface="Courier New" panose="02070309020205020404" pitchFamily="49" charset="0"/>
+              </a:rPr>
+              <a:t>mynat.zero</a:t>
+            </a:r>
+            <a:r>
+              <a:rPr lang="en-US" dirty="0">
+                <a:latin typeface="Courier New" panose="02070309020205020404" pitchFamily="49" charset="0"/>
+                <a:cs typeface="Courier New" panose="02070309020205020404" pitchFamily="49" charset="0"/>
+              </a:rPr>
+              <a:t> m := zero</a:t>
+            </a:r>
+            <a:br>
+              <a:rPr lang="en-US" dirty="0">
+                <a:latin typeface="Courier New" panose="02070309020205020404" pitchFamily="49" charset="0"/>
+                <a:cs typeface="Courier New" panose="02070309020205020404" pitchFamily="49" charset="0"/>
+              </a:rPr>
+            </a:br>
+            <a:r>
+              <a:rPr lang="en-US" dirty="0">
+                <a:latin typeface="Courier New" panose="02070309020205020404" pitchFamily="49" charset="0"/>
+                <a:cs typeface="Courier New" panose="02070309020205020404" pitchFamily="49" charset="0"/>
+              </a:rPr>
+              <a:t>| (</a:t>
+            </a:r>
+            <a:r>
+              <a:rPr lang="en-US" dirty="0" err="1">
+                <a:latin typeface="Courier New" panose="02070309020205020404" pitchFamily="49" charset="0"/>
+                <a:cs typeface="Courier New" panose="02070309020205020404" pitchFamily="49" charset="0"/>
+              </a:rPr>
+              <a:t>mynat.succ</a:t>
+            </a:r>
+            <a:r>
+              <a:rPr lang="en-US" dirty="0">
+                <a:latin typeface="Courier New" panose="02070309020205020404" pitchFamily="49" charset="0"/>
+                <a:cs typeface="Courier New" panose="02070309020205020404" pitchFamily="49" charset="0"/>
+              </a:rPr>
+              <a:t> n') m := </a:t>
+            </a:r>
+            <a:r>
+              <a:rPr lang="en-US" dirty="0" err="1">
+                <a:latin typeface="Courier New" panose="02070309020205020404" pitchFamily="49" charset="0"/>
+                <a:cs typeface="Courier New" panose="02070309020205020404" pitchFamily="49" charset="0"/>
+              </a:rPr>
+              <a:t>exp_mynat</a:t>
+            </a:r>
+            <a:r>
+              <a:rPr lang="en-US" dirty="0">
+                <a:latin typeface="Courier New" panose="02070309020205020404" pitchFamily="49" charset="0"/>
+                <a:cs typeface="Courier New" panose="02070309020205020404" pitchFamily="49" charset="0"/>
+              </a:rPr>
+              <a:t> m (</a:t>
+            </a:r>
+            <a:r>
+              <a:rPr lang="en-US" dirty="0" err="1">
+                <a:latin typeface="Courier New" panose="02070309020205020404" pitchFamily="49" charset="0"/>
+                <a:cs typeface="Courier New" panose="02070309020205020404" pitchFamily="49" charset="0"/>
+              </a:rPr>
+              <a:t>tet_mynat</a:t>
+            </a:r>
+            <a:r>
+              <a:rPr lang="en-US" dirty="0">
+                <a:latin typeface="Courier New" panose="02070309020205020404" pitchFamily="49" charset="0"/>
+                <a:cs typeface="Courier New" panose="02070309020205020404" pitchFamily="49" charset="0"/>
+              </a:rPr>
+              <a:t> n' m)</a:t>
+            </a:r>
+            <a:endParaRPr lang="en-US" dirty="0"/>
+          </a:p>
+          <a:p>
+            <a:pPr marL="0" indent="0">
+              <a:buNone/>
+            </a:pPr>
+            <a:endParaRPr lang="en-US" dirty="0"/>
+          </a:p>
+        </p:txBody>
+      </p:sp>
+      <p:sp>
+        <p:nvSpPr>
+          <p:cNvPr id="4" name="Slide Number Placeholder 3">
+            <a:extLst>
+              <a:ext uri="{FF2B5EF4-FFF2-40B4-BE49-F238E27FC236}">
+                <a16:creationId xmlns:a16="http://schemas.microsoft.com/office/drawing/2014/main" id="{37E0E47C-03F7-A947-BB49-DF0EA00334F8}"/>
+              </a:ext>
+            </a:extLst>
+          </p:cNvPr>
+          <p:cNvSpPr>
+            <a:spLocks noGrp="1"/>
+          </p:cNvSpPr>
+          <p:nvPr>
+            <p:ph type="sldNum" sz="quarter" idx="12"/>
+          </p:nvPr>
+        </p:nvSpPr>
+        <p:spPr/>
+        <p:txBody>
+          <a:bodyPr/>
+          <a:lstStyle/>
+          <a:p>
+            <a:fld id="{3352CBF5-17B8-4387-88A6-ABF9F8C64D5A}" type="slidenum">
+              <a:rPr lang="en-US" smtClean="0"/>
+              <a:t>10</a:t>
+            </a:fld>
+            <a:endParaRPr lang="en-US"/>
+          </a:p>
+        </p:txBody>
+      </p:sp>
+    </p:spTree>
+    <p:extLst>
+      <p:ext uri="{BB962C8B-B14F-4D97-AF65-F5344CB8AC3E}">
+        <p14:creationId xmlns:p14="http://schemas.microsoft.com/office/powerpoint/2010/main" val="3088149118"/>
+      </p:ext>
+    </p:extLst>
+  </p:cSld>
+  <p:clrMapOvr>
+    <a:masterClrMapping/>
+  </p:clrMapOvr>
+  <p:timing>
+    <p:tnLst>
+      <p:par>
+        <p:cTn id="1" dur="indefinite" restart="never" nodeType="tmRoot">
+          <p:childTnLst>
+            <p:seq concurrent="1" nextAc="seek">
+              <p:cTn id="2" dur="indefinite" nodeType="mainSeq">
+                <p:childTnLst>
+                  <p:par>
+                    <p:cTn id="3" fill="hold">
+                      <p:stCondLst>
+                        <p:cond delay="indefinite"/>
+                      </p:stCondLst>
+                      <p:childTnLst>
+                        <p:par>
+                          <p:cTn id="4" fill="hold">
+                            <p:stCondLst>
+                              <p:cond delay="0"/>
+                            </p:stCondLst>
+                            <p:childTnLst>
+                              <p:par>
+                                <p:cTn id="5" presetID="1" presetClass="entr" presetSubtype="0" fill="hold" nodeType="clickEffect">
+                                  <p:stCondLst>
+                                    <p:cond delay="0"/>
+                                  </p:stCondLst>
+                                  <p:childTnLst>
+                                    <p:set>
+                                      <p:cBhvr>
+                                        <p:cTn id="6" dur="1" fill="hold">
+                                          <p:stCondLst>
+                                            <p:cond delay="0"/>
+                                          </p:stCondLst>
+                                        </p:cTn>
+                                        <p:tgtEl>
+                                          <p:spTgt spid="3">
+                                            <p:txEl>
+                                              <p:pRg st="1" end="1"/>
+                                            </p:txEl>
+                                          </p:spTgt>
+                                        </p:tgtEl>
+                                        <p:attrNameLst>
+                                          <p:attrName>style.visibility</p:attrName>
+                                        </p:attrNameLst>
+                                      </p:cBhvr>
+                                      <p:to>
+                                        <p:strVal val="visible"/>
+                                      </p:to>
+                                    </p:set>
+                                  </p:childTnLst>
+                                </p:cTn>
+                              </p:par>
+                            </p:childTnLst>
+                          </p:cTn>
+                        </p:par>
+                      </p:childTnLst>
+                    </p:cTn>
+                  </p:par>
+                  <p:par>
+                    <p:cTn id="7" fill="hold">
+                      <p:stCondLst>
+                        <p:cond delay="indefinite"/>
+                      </p:stCondLst>
+                      <p:childTnLst>
+                        <p:par>
+                          <p:cTn id="8" fill="hold">
+                            <p:stCondLst>
+                              <p:cond delay="0"/>
+                            </p:stCondLst>
+                            <p:childTnLst>
+                              <p:par>
+                                <p:cTn id="9" presetID="1" presetClass="entr" presetSubtype="0" fill="hold" nodeType="clickEffect">
+                                  <p:stCondLst>
+                                    <p:cond delay="0"/>
+                                  </p:stCondLst>
+                                  <p:childTnLst>
+                                    <p:set>
+                                      <p:cBhvr>
+                                        <p:cTn id="10" dur="1" fill="hold">
+                                          <p:stCondLst>
+                                            <p:cond delay="0"/>
+                                          </p:stCondLst>
+                                        </p:cTn>
+                                        <p:tgtEl>
+                                          <p:spTgt spid="3">
+                                            <p:txEl>
+                                              <p:pRg st="3" end="3"/>
+                                            </p:txEl>
+                                          </p:spTgt>
+                                        </p:tgtEl>
+                                        <p:attrNameLst>
+                                          <p:attrName>style.visibility</p:attrName>
+                                        </p:attrNameLst>
+                                      </p:cBhvr>
+                                      <p:to>
+                                        <p:strVal val="visible"/>
+                                      </p:to>
+                                    </p:set>
+                                  </p:childTnLst>
+                                </p:cTn>
+                              </p:par>
+                            </p:childTnLst>
+                          </p:cTn>
+                        </p:par>
+                      </p:childTnLst>
+                    </p:cTn>
+                  </p:par>
+                  <p:par>
+                    <p:cTn id="11" fill="hold">
+                      <p:stCondLst>
+                        <p:cond delay="indefinite"/>
+                      </p:stCondLst>
+                      <p:childTnLst>
+                        <p:par>
+                          <p:cTn id="12" fill="hold">
+                            <p:stCondLst>
+                              <p:cond delay="0"/>
+                            </p:stCondLst>
+                            <p:childTnLst>
+                              <p:par>
+                                <p:cTn id="13" presetID="1" presetClass="entr" presetSubtype="0" fill="hold" nodeType="clickEffect">
+                                  <p:stCondLst>
+                                    <p:cond delay="0"/>
+                                  </p:stCondLst>
+                                  <p:childTnLst>
+                                    <p:set>
+                                      <p:cBhvr>
+                                        <p:cTn id="14" dur="1" fill="hold">
+                                          <p:stCondLst>
+                                            <p:cond delay="0"/>
+                                          </p:stCondLst>
+                                        </p:cTn>
+                                        <p:tgtEl>
+                                          <p:spTgt spid="3">
+                                            <p:txEl>
+                                              <p:pRg st="5" end="5"/>
+                                            </p:txEl>
+                                          </p:spTgt>
+                                        </p:tgtEl>
+                                        <p:attrNameLst>
+                                          <p:attrName>style.visibility</p:attrName>
+                                        </p:attrNameLst>
+                                      </p:cBhvr>
+                                      <p:to>
+                                        <p:strVal val="visible"/>
+                                      </p:to>
+                                    </p:set>
+                                  </p:childTnLst>
+                                </p:cTn>
+                              </p:par>
+                            </p:childTnLst>
+                          </p:cTn>
+                        </p:par>
+                      </p:childTnLst>
+                    </p:cTn>
+                  </p:par>
+                </p:childTnLst>
+              </p:cTn>
+              <p:prevCondLst>
+                <p:cond evt="onPrev" delay="0">
+                  <p:tgtEl>
+                    <p:sldTgt/>
+                  </p:tgtEl>
+                </p:cond>
+              </p:prevCondLst>
+              <p:nextCondLst>
+                <p:cond evt="onNext" delay="0">
+                  <p:tgtEl>
+                    <p:sldTgt/>
+                  </p:tgtEl>
+                </p:cond>
+              </p:nextCondLst>
+            </p:seq>
+          </p:childTnLst>
+        </p:cTn>
+      </p:par>
+    </p:tnLst>
+  </p:timing>
+</p:sld>
+</file>
+
+<file path=ppt/slides/slide11.xml><?xml version="1.0" encoding="utf-8"?>
+<p:sld xmlns:a="http://schemas.openxmlformats.org/drawingml/2006/main" xmlns:r="http://schemas.openxmlformats.org/officeDocument/2006/relationships" xmlns:p="http://schemas.openxmlformats.org/presentationml/2006/main">
+  <p:cSld>
+    <p:spTree>
+      <p:nvGrpSpPr>
+        <p:cNvPr id="1" name=""/>
+        <p:cNvGrpSpPr/>
+        <p:nvPr/>
+      </p:nvGrpSpPr>
+      <p:grpSpPr>
+        <a:xfrm>
+          <a:off x="0" y="0"/>
+          <a:ext cx="0" cy="0"/>
+          <a:chOff x="0" y="0"/>
+          <a:chExt cx="0" cy="0"/>
+        </a:xfrm>
+      </p:grpSpPr>
+      <p:sp>
+        <p:nvSpPr>
+          <p:cNvPr id="2" name="Title 1">
+            <a:extLst>
+              <a:ext uri="{FF2B5EF4-FFF2-40B4-BE49-F238E27FC236}">
+                <a16:creationId xmlns:a16="http://schemas.microsoft.com/office/drawing/2014/main" id="{141E79E7-33F4-8844-94E8-2154467D8F0C}"/>
+              </a:ext>
+            </a:extLst>
+          </p:cNvPr>
+          <p:cNvSpPr>
+            <a:spLocks noGrp="1"/>
+          </p:cNvSpPr>
+          <p:nvPr>
+            <p:ph type="title"/>
+          </p:nvPr>
+        </p:nvSpPr>
+        <p:spPr/>
+        <p:txBody>
+          <a:bodyPr/>
+          <a:lstStyle/>
+          <a:p>
+            <a:r>
+              <a:rPr lang="en-US" dirty="0"/>
+              <a:t>Left identity for adding zero</a:t>
+            </a:r>
+          </a:p>
+        </p:txBody>
+      </p:sp>
+      <p:sp>
+        <p:nvSpPr>
+          <p:cNvPr id="3" name="Content Placeholder 2">
+            <a:extLst>
+              <a:ext uri="{FF2B5EF4-FFF2-40B4-BE49-F238E27FC236}">
+                <a16:creationId xmlns:a16="http://schemas.microsoft.com/office/drawing/2014/main" id="{A0AF2EAF-6815-F447-96EE-D2C004D70764}"/>
+              </a:ext>
+            </a:extLst>
+          </p:cNvPr>
+          <p:cNvSpPr>
+            <a:spLocks noGrp="1"/>
+          </p:cNvSpPr>
+          <p:nvPr>
+            <p:ph idx="1"/>
+          </p:nvPr>
+        </p:nvSpPr>
+        <p:spPr/>
+        <p:txBody>
+          <a:bodyPr>
+            <a:normAutofit fontScale="92500" lnSpcReduction="20000"/>
+          </a:bodyPr>
+          <a:lstStyle/>
+          <a:p>
+            <a:r>
+              <a:rPr lang="en-US" dirty="0"/>
+              <a:t>For our naturals, we can prove 0 + m = m</a:t>
+            </a:r>
+          </a:p>
+          <a:p>
+            <a:pPr marL="0" indent="0">
+              <a:buNone/>
+            </a:pPr>
+            <a:r>
+              <a:rPr lang="en-US" dirty="0">
+                <a:latin typeface="Courier New" panose="02070309020205020404" pitchFamily="49" charset="0"/>
+                <a:cs typeface="Courier New" panose="02070309020205020404" pitchFamily="49" charset="0"/>
+              </a:rPr>
+              <a:t>theorem </a:t>
+            </a:r>
+            <a:r>
+              <a:rPr lang="en-US" dirty="0" err="1">
+                <a:latin typeface="Courier New" panose="02070309020205020404" pitchFamily="49" charset="0"/>
+                <a:cs typeface="Courier New" panose="02070309020205020404" pitchFamily="49" charset="0"/>
+              </a:rPr>
+              <a:t>zero_left_id</a:t>
+            </a:r>
+            <a:r>
+              <a:rPr lang="en-US" dirty="0">
+                <a:latin typeface="Courier New" panose="02070309020205020404" pitchFamily="49" charset="0"/>
+                <a:cs typeface="Courier New" panose="02070309020205020404" pitchFamily="49" charset="0"/>
+              </a:rPr>
+              <a:t>: </a:t>
+            </a:r>
+          </a:p>
+          <a:p>
+            <a:pPr marL="0" indent="0">
+              <a:buNone/>
+            </a:pPr>
+            <a:r>
+              <a:rPr lang="en-US" dirty="0">
+                <a:latin typeface="Courier New" panose="02070309020205020404" pitchFamily="49" charset="0"/>
+                <a:cs typeface="Courier New" panose="02070309020205020404" pitchFamily="49" charset="0"/>
+              </a:rPr>
+              <a:t>  ∀ m : </a:t>
+            </a:r>
+            <a:r>
+              <a:rPr lang="en-US" dirty="0" err="1">
+                <a:latin typeface="Courier New" panose="02070309020205020404" pitchFamily="49" charset="0"/>
+                <a:cs typeface="Courier New" panose="02070309020205020404" pitchFamily="49" charset="0"/>
+              </a:rPr>
+              <a:t>mynat</a:t>
+            </a:r>
+            <a:r>
+              <a:rPr lang="en-US" dirty="0">
+                <a:latin typeface="Courier New" panose="02070309020205020404" pitchFamily="49" charset="0"/>
+                <a:cs typeface="Courier New" panose="02070309020205020404" pitchFamily="49" charset="0"/>
+              </a:rPr>
+              <a:t>, </a:t>
+            </a:r>
+          </a:p>
+          <a:p>
+            <a:pPr marL="0" indent="0">
+              <a:buNone/>
+            </a:pPr>
+            <a:r>
+              <a:rPr lang="en-US" dirty="0">
+                <a:latin typeface="Courier New" panose="02070309020205020404" pitchFamily="49" charset="0"/>
+                <a:cs typeface="Courier New" panose="02070309020205020404" pitchFamily="49" charset="0"/>
+              </a:rPr>
+              <a:t>    </a:t>
+            </a:r>
+            <a:r>
+              <a:rPr lang="en-US" dirty="0" err="1">
+                <a:latin typeface="Courier New" panose="02070309020205020404" pitchFamily="49" charset="0"/>
+                <a:cs typeface="Courier New" panose="02070309020205020404" pitchFamily="49" charset="0"/>
+              </a:rPr>
+              <a:t>add_mynat</a:t>
+            </a:r>
+            <a:r>
+              <a:rPr lang="en-US" dirty="0">
+                <a:latin typeface="Courier New" panose="02070309020205020404" pitchFamily="49" charset="0"/>
+                <a:cs typeface="Courier New" panose="02070309020205020404" pitchFamily="49" charset="0"/>
+              </a:rPr>
+              <a:t> </a:t>
+            </a:r>
+            <a:r>
+              <a:rPr lang="en-US" dirty="0" err="1">
+                <a:latin typeface="Courier New" panose="02070309020205020404" pitchFamily="49" charset="0"/>
+                <a:cs typeface="Courier New" panose="02070309020205020404" pitchFamily="49" charset="0"/>
+              </a:rPr>
+              <a:t>mynat.zero</a:t>
+            </a:r>
+            <a:r>
+              <a:rPr lang="en-US" dirty="0">
+                <a:latin typeface="Courier New" panose="02070309020205020404" pitchFamily="49" charset="0"/>
+                <a:cs typeface="Courier New" panose="02070309020205020404" pitchFamily="49" charset="0"/>
+              </a:rPr>
+              <a:t> m = m</a:t>
+            </a:r>
+          </a:p>
+          <a:p>
+            <a:pPr marL="0" indent="0">
+              <a:buNone/>
+            </a:pPr>
+            <a:r>
+              <a:rPr lang="en-US" dirty="0">
+                <a:latin typeface="Courier New" panose="02070309020205020404" pitchFamily="49" charset="0"/>
+                <a:cs typeface="Courier New" panose="02070309020205020404" pitchFamily="49" charset="0"/>
+              </a:rPr>
+              <a:t>:=</a:t>
+            </a:r>
+          </a:p>
+          <a:p>
+            <a:pPr marL="0" indent="0">
+              <a:buNone/>
+            </a:pPr>
+            <a:r>
+              <a:rPr lang="en-US" dirty="0">
+                <a:latin typeface="Courier New" panose="02070309020205020404" pitchFamily="49" charset="0"/>
+                <a:cs typeface="Courier New" panose="02070309020205020404" pitchFamily="49" charset="0"/>
+              </a:rPr>
+              <a:t>begin</a:t>
+            </a:r>
+          </a:p>
+          <a:p>
+            <a:pPr marL="0" indent="0">
+              <a:buNone/>
+            </a:pPr>
+            <a:r>
+              <a:rPr lang="en-US" dirty="0">
+                <a:latin typeface="Courier New" panose="02070309020205020404" pitchFamily="49" charset="0"/>
+                <a:cs typeface="Courier New" panose="02070309020205020404" pitchFamily="49" charset="0"/>
+              </a:rPr>
+              <a:t>intro m,</a:t>
+            </a:r>
+          </a:p>
+          <a:p>
+            <a:pPr marL="0" indent="0">
+              <a:buNone/>
+            </a:pPr>
+            <a:r>
+              <a:rPr lang="en-US" dirty="0">
+                <a:latin typeface="Courier New" panose="02070309020205020404" pitchFamily="49" charset="0"/>
+                <a:cs typeface="Courier New" panose="02070309020205020404" pitchFamily="49" charset="0"/>
+              </a:rPr>
+              <a:t>apply </a:t>
+            </a:r>
+            <a:r>
+              <a:rPr lang="en-US" dirty="0" err="1">
+                <a:latin typeface="Courier New" panose="02070309020205020404" pitchFamily="49" charset="0"/>
+                <a:cs typeface="Courier New" panose="02070309020205020404" pitchFamily="49" charset="0"/>
+              </a:rPr>
+              <a:t>rfl</a:t>
+            </a:r>
+            <a:r>
+              <a:rPr lang="en-US" dirty="0">
+                <a:latin typeface="Courier New" panose="02070309020205020404" pitchFamily="49" charset="0"/>
+                <a:cs typeface="Courier New" panose="02070309020205020404" pitchFamily="49" charset="0"/>
+              </a:rPr>
+              <a:t>,</a:t>
+            </a:r>
+          </a:p>
+          <a:p>
+            <a:pPr marL="0" indent="0">
+              <a:buNone/>
+            </a:pPr>
+            <a:r>
+              <a:rPr lang="en-US" dirty="0">
+                <a:latin typeface="Courier New" panose="02070309020205020404" pitchFamily="49" charset="0"/>
+                <a:cs typeface="Courier New" panose="02070309020205020404" pitchFamily="49" charset="0"/>
+              </a:rPr>
+              <a:t>-- </a:t>
+            </a:r>
+            <a:r>
+              <a:rPr lang="en-US" dirty="0" err="1">
+                <a:latin typeface="Courier New" panose="02070309020205020404" pitchFamily="49" charset="0"/>
+                <a:cs typeface="Courier New" panose="02070309020205020404" pitchFamily="49" charset="0"/>
+              </a:rPr>
+              <a:t>simp</a:t>
+            </a:r>
+            <a:r>
+              <a:rPr lang="en-US" dirty="0">
+                <a:latin typeface="Courier New" panose="02070309020205020404" pitchFamily="49" charset="0"/>
+                <a:cs typeface="Courier New" panose="02070309020205020404" pitchFamily="49" charset="0"/>
+              </a:rPr>
+              <a:t> [</a:t>
+            </a:r>
+            <a:r>
+              <a:rPr lang="en-US" dirty="0" err="1">
+                <a:latin typeface="Courier New" panose="02070309020205020404" pitchFamily="49" charset="0"/>
+                <a:cs typeface="Courier New" panose="02070309020205020404" pitchFamily="49" charset="0"/>
+              </a:rPr>
+              <a:t>add_mynat</a:t>
+            </a:r>
+            <a:r>
+              <a:rPr lang="en-US" dirty="0">
+                <a:latin typeface="Courier New" panose="02070309020205020404" pitchFamily="49" charset="0"/>
+                <a:cs typeface="Courier New" panose="02070309020205020404" pitchFamily="49" charset="0"/>
+              </a:rPr>
+              <a:t>],</a:t>
+            </a:r>
+          </a:p>
+          <a:p>
+            <a:pPr marL="0" indent="0">
+              <a:buNone/>
+            </a:pPr>
+            <a:r>
+              <a:rPr lang="en-US" dirty="0">
+                <a:latin typeface="Courier New" panose="02070309020205020404" pitchFamily="49" charset="0"/>
+                <a:cs typeface="Courier New" panose="02070309020205020404" pitchFamily="49" charset="0"/>
+              </a:rPr>
+              <a:t>end</a:t>
+            </a:r>
+          </a:p>
+        </p:txBody>
+      </p:sp>
+      <p:sp>
+        <p:nvSpPr>
+          <p:cNvPr id="4" name="Slide Number Placeholder 3">
+            <a:extLst>
+              <a:ext uri="{FF2B5EF4-FFF2-40B4-BE49-F238E27FC236}">
+                <a16:creationId xmlns:a16="http://schemas.microsoft.com/office/drawing/2014/main" id="{D80CA5EA-9C48-F348-ACAD-1B3CC3EF0214}"/>
+              </a:ext>
+            </a:extLst>
+          </p:cNvPr>
+          <p:cNvSpPr>
+            <a:spLocks noGrp="1"/>
+          </p:cNvSpPr>
+          <p:nvPr>
+            <p:ph type="sldNum" sz="quarter" idx="12"/>
+          </p:nvPr>
+        </p:nvSpPr>
+        <p:spPr/>
+        <p:txBody>
+          <a:bodyPr/>
+          <a:lstStyle/>
+          <a:p>
+            <a:fld id="{3352CBF5-17B8-4387-88A6-ABF9F8C64D5A}" type="slidenum">
+              <a:rPr lang="en-US" smtClean="0"/>
+              <a:t>11</a:t>
+            </a:fld>
+            <a:endParaRPr lang="en-US"/>
+          </a:p>
+        </p:txBody>
+      </p:sp>
+    </p:spTree>
+    <p:extLst>
+      <p:ext uri="{BB962C8B-B14F-4D97-AF65-F5344CB8AC3E}">
+        <p14:creationId xmlns:p14="http://schemas.microsoft.com/office/powerpoint/2010/main" val="1409978583"/>
+      </p:ext>
+    </p:extLst>
+  </p:cSld>
+  <p:clrMapOvr>
+    <a:masterClrMapping/>
+  </p:clrMapOvr>
+</p:sld>
+</file>
+
+<file path=ppt/slides/slide12.xml><?xml version="1.0" encoding="utf-8"?>
+<p:sld xmlns:a="http://schemas.openxmlformats.org/drawingml/2006/main" xmlns:r="http://schemas.openxmlformats.org/officeDocument/2006/relationships" xmlns:p="http://schemas.openxmlformats.org/presentationml/2006/main">
+  <p:cSld>
+    <p:spTree>
+      <p:nvGrpSpPr>
+        <p:cNvPr id="1" name=""/>
+        <p:cNvGrpSpPr/>
+        <p:nvPr/>
+      </p:nvGrpSpPr>
+      <p:grpSpPr>
+        <a:xfrm>
+          <a:off x="0" y="0"/>
+          <a:ext cx="0" cy="0"/>
+          <a:chOff x="0" y="0"/>
+          <a:chExt cx="0" cy="0"/>
+        </a:xfrm>
+      </p:grpSpPr>
+      <p:sp>
+        <p:nvSpPr>
+          <p:cNvPr id="2" name="Title 1">
+            <a:extLst>
+              <a:ext uri="{FF2B5EF4-FFF2-40B4-BE49-F238E27FC236}">
+                <a16:creationId xmlns:a16="http://schemas.microsoft.com/office/drawing/2014/main" id="{B67833C6-24CE-3A4A-ABE9-20C053683A49}"/>
+              </a:ext>
+            </a:extLst>
+          </p:cNvPr>
+          <p:cNvSpPr>
+            <a:spLocks noGrp="1"/>
+          </p:cNvSpPr>
+          <p:nvPr>
+            <p:ph type="title"/>
+          </p:nvPr>
+        </p:nvSpPr>
+        <p:spPr/>
+        <p:txBody>
+          <a:bodyPr/>
+          <a:lstStyle/>
+          <a:p>
+            <a:r>
+              <a:rPr lang="en-US" dirty="0"/>
+              <a:t>Proof by induction</a:t>
+            </a:r>
+          </a:p>
+        </p:txBody>
+      </p:sp>
+      <p:sp>
+        <p:nvSpPr>
+          <p:cNvPr id="3" name="Content Placeholder 2">
+            <a:extLst>
+              <a:ext uri="{FF2B5EF4-FFF2-40B4-BE49-F238E27FC236}">
+                <a16:creationId xmlns:a16="http://schemas.microsoft.com/office/drawing/2014/main" id="{33F1E1ED-611B-B24D-9986-650652746FA3}"/>
+              </a:ext>
+            </a:extLst>
+          </p:cNvPr>
+          <p:cNvSpPr>
+            <a:spLocks noGrp="1"/>
+          </p:cNvSpPr>
+          <p:nvPr>
+            <p:ph idx="1"/>
+          </p:nvPr>
+        </p:nvSpPr>
+        <p:spPr/>
+        <p:txBody>
+          <a:bodyPr/>
+          <a:lstStyle/>
+          <a:p>
+            <a:r>
+              <a:rPr lang="en-US" dirty="0"/>
+              <a:t>How do we prove </a:t>
+            </a:r>
+            <a:r>
+              <a:rPr lang="en-US" dirty="0">
+                <a:latin typeface="Courier New" panose="02070309020205020404" pitchFamily="49" charset="0"/>
+                <a:cs typeface="Courier New" panose="02070309020205020404" pitchFamily="49" charset="0"/>
+              </a:rPr>
+              <a:t>∀</a:t>
+            </a:r>
+            <a:r>
+              <a:rPr lang="en-US" dirty="0" err="1">
+                <a:latin typeface="Courier New" panose="02070309020205020404" pitchFamily="49" charset="0"/>
+                <a:cs typeface="Courier New" panose="02070309020205020404" pitchFamily="49" charset="0"/>
+              </a:rPr>
+              <a:t>m:P</a:t>
+            </a:r>
+            <a:r>
+              <a:rPr lang="en-US" dirty="0">
+                <a:latin typeface="Courier New" panose="02070309020205020404" pitchFamily="49" charset="0"/>
+                <a:cs typeface="Courier New" panose="02070309020205020404" pitchFamily="49" charset="0"/>
+              </a:rPr>
+              <a:t>(m)</a:t>
+            </a:r>
+            <a:r>
+              <a:rPr lang="en-US" dirty="0"/>
+              <a:t> is true?</a:t>
+            </a:r>
+          </a:p>
+          <a:p>
+            <a:pPr marL="514350" indent="-514350">
+              <a:buFont typeface="+mj-lt"/>
+              <a:buAutoNum type="arabicPeriod"/>
+            </a:pPr>
+            <a:r>
+              <a:rPr lang="en-US" dirty="0"/>
+              <a:t>Prove that </a:t>
+            </a:r>
+            <a:r>
+              <a:rPr lang="en-US" sz="2400" dirty="0">
+                <a:latin typeface="Courier New" panose="02070309020205020404" pitchFamily="49" charset="0"/>
+                <a:cs typeface="Courier New" panose="02070309020205020404" pitchFamily="49" charset="0"/>
+              </a:rPr>
+              <a:t>P(m)</a:t>
+            </a:r>
+            <a:r>
+              <a:rPr lang="en-US" dirty="0"/>
+              <a:t> is true for the </a:t>
+            </a:r>
+            <a:r>
+              <a:rPr lang="en-US" i="1" dirty="0"/>
+              <a:t>base case</a:t>
+            </a:r>
+            <a:r>
+              <a:rPr lang="en-US" dirty="0"/>
+              <a:t> (e.g., </a:t>
+            </a:r>
+            <a:r>
+              <a:rPr lang="en-US" sz="2400" dirty="0">
+                <a:latin typeface="Courier New" panose="02070309020205020404" pitchFamily="49" charset="0"/>
+                <a:cs typeface="Courier New" panose="02070309020205020404" pitchFamily="49" charset="0"/>
+              </a:rPr>
+              <a:t>P(0)</a:t>
+            </a:r>
+            <a:r>
+              <a:rPr lang="en-US" dirty="0"/>
+              <a:t>).</a:t>
+            </a:r>
+          </a:p>
+          <a:p>
+            <a:pPr marL="514350" indent="-514350">
+              <a:buFont typeface="+mj-lt"/>
+              <a:buAutoNum type="arabicPeriod"/>
+            </a:pPr>
+            <a:r>
+              <a:rPr lang="en-US" dirty="0"/>
+              <a:t>Prove that if </a:t>
+            </a:r>
+            <a:r>
+              <a:rPr lang="en-US" sz="2400" dirty="0">
+                <a:latin typeface="Courier New" panose="02070309020205020404" pitchFamily="49" charset="0"/>
+                <a:cs typeface="Courier New" panose="02070309020205020404" pitchFamily="49" charset="0"/>
+              </a:rPr>
+              <a:t>P(m)</a:t>
+            </a:r>
+            <a:r>
+              <a:rPr lang="en-US" dirty="0"/>
+              <a:t> is true, then </a:t>
+            </a:r>
+            <a:r>
+              <a:rPr lang="en-US" sz="2400" dirty="0">
+                <a:latin typeface="Courier New" panose="02070309020205020404" pitchFamily="49" charset="0"/>
+                <a:cs typeface="Courier New" panose="02070309020205020404" pitchFamily="49" charset="0"/>
+              </a:rPr>
+              <a:t>P(</a:t>
+            </a:r>
+            <a:r>
+              <a:rPr lang="en-US" sz="2400" dirty="0" err="1">
+                <a:latin typeface="Courier New" panose="02070309020205020404" pitchFamily="49" charset="0"/>
+                <a:cs typeface="Courier New" panose="02070309020205020404" pitchFamily="49" charset="0"/>
+              </a:rPr>
+              <a:t>succ</a:t>
+            </a:r>
+            <a:r>
+              <a:rPr lang="en-US" sz="2400" dirty="0">
+                <a:latin typeface="Courier New" panose="02070309020205020404" pitchFamily="49" charset="0"/>
+                <a:cs typeface="Courier New" panose="02070309020205020404" pitchFamily="49" charset="0"/>
+              </a:rPr>
+              <a:t>(m))</a:t>
+            </a:r>
+            <a:r>
+              <a:rPr lang="en-US" dirty="0"/>
+              <a:t> is true — </a:t>
+            </a:r>
+            <a:br>
+              <a:rPr lang="en-US" dirty="0"/>
+            </a:br>
+            <a:r>
+              <a:rPr lang="en-US" dirty="0"/>
+              <a:t>e.g., </a:t>
+            </a:r>
+            <a:r>
+              <a:rPr lang="en-US" sz="2400" dirty="0">
+                <a:latin typeface="Courier New" panose="02070309020205020404" pitchFamily="49" charset="0"/>
+                <a:cs typeface="Courier New" panose="02070309020205020404" pitchFamily="49" charset="0"/>
+              </a:rPr>
+              <a:t>P(m) </a:t>
+            </a:r>
+            <a:r>
+              <a:rPr lang="en-US" sz="2400" dirty="0">
+                <a:latin typeface="Courier New" panose="02070309020205020404" pitchFamily="49" charset="0"/>
+                <a:cs typeface="Courier New" panose="02070309020205020404" pitchFamily="49" charset="0"/>
+                <a:sym typeface="Wingdings" pitchFamily="2" charset="2"/>
+              </a:rPr>
+              <a:t> P(m+1)</a:t>
+            </a:r>
+          </a:p>
+          <a:p>
+            <a:r>
+              <a:rPr lang="en-US" dirty="0">
+                <a:sym typeface="Wingdings" pitchFamily="2" charset="2"/>
+              </a:rPr>
+              <a:t>Why is this proof valid?</a:t>
+            </a:r>
+            <a:endParaRPr lang="en-US" dirty="0"/>
+          </a:p>
+        </p:txBody>
+      </p:sp>
+      <p:sp>
+        <p:nvSpPr>
+          <p:cNvPr id="4" name="Slide Number Placeholder 3">
+            <a:extLst>
+              <a:ext uri="{FF2B5EF4-FFF2-40B4-BE49-F238E27FC236}">
+                <a16:creationId xmlns:a16="http://schemas.microsoft.com/office/drawing/2014/main" id="{113CE64A-8803-C64B-976F-9E8C11801526}"/>
+              </a:ext>
+            </a:extLst>
+          </p:cNvPr>
+          <p:cNvSpPr>
+            <a:spLocks noGrp="1"/>
+          </p:cNvSpPr>
+          <p:nvPr>
+            <p:ph type="sldNum" sz="quarter" idx="12"/>
+          </p:nvPr>
+        </p:nvSpPr>
+        <p:spPr/>
+        <p:txBody>
+          <a:bodyPr/>
+          <a:lstStyle/>
+          <a:p>
+            <a:fld id="{3352CBF5-17B8-4387-88A6-ABF9F8C64D5A}" type="slidenum">
+              <a:rPr lang="en-US" smtClean="0"/>
+              <a:t>12</a:t>
+            </a:fld>
+            <a:endParaRPr lang="en-US"/>
+          </a:p>
+        </p:txBody>
+      </p:sp>
+    </p:spTree>
+    <p:extLst>
+      <p:ext uri="{BB962C8B-B14F-4D97-AF65-F5344CB8AC3E}">
+        <p14:creationId xmlns:p14="http://schemas.microsoft.com/office/powerpoint/2010/main" val="2588695249"/>
+      </p:ext>
+    </p:extLst>
+  </p:cSld>
+  <p:clrMapOvr>
+    <a:masterClrMapping/>
+  </p:clrMapOvr>
+</p:sld>
+</file>
+
+<file path=ppt/slides/slide13.xml><?xml version="1.0" encoding="utf-8"?>
+<p:sld xmlns:a="http://schemas.openxmlformats.org/drawingml/2006/main" xmlns:r="http://schemas.openxmlformats.org/officeDocument/2006/relationships" xmlns:p="http://schemas.openxmlformats.org/presentationml/2006/main">
+  <p:cSld>
+    <p:spTree>
+      <p:nvGrpSpPr>
+        <p:cNvPr id="1" name=""/>
+        <p:cNvGrpSpPr/>
+        <p:nvPr/>
+      </p:nvGrpSpPr>
+      <p:grpSpPr>
+        <a:xfrm>
+          <a:off x="0" y="0"/>
+          <a:ext cx="0" cy="0"/>
+          <a:chOff x="0" y="0"/>
+          <a:chExt cx="0" cy="0"/>
+        </a:xfrm>
+      </p:grpSpPr>
+      <p:sp>
+        <p:nvSpPr>
+          <p:cNvPr id="2" name="Title 1">
+            <a:extLst>
+              <a:ext uri="{FF2B5EF4-FFF2-40B4-BE49-F238E27FC236}">
+                <a16:creationId xmlns:a16="http://schemas.microsoft.com/office/drawing/2014/main" id="{06B81F8D-DEC1-7344-9F97-4CEDD34C1B9C}"/>
+              </a:ext>
+            </a:extLst>
+          </p:cNvPr>
+          <p:cNvSpPr>
+            <a:spLocks noGrp="1"/>
+          </p:cNvSpPr>
+          <p:nvPr>
+            <p:ph type="title"/>
+          </p:nvPr>
+        </p:nvSpPr>
+        <p:spPr/>
+        <p:txBody>
+          <a:bodyPr/>
+          <a:lstStyle/>
+          <a:p>
+            <a:r>
+              <a:rPr lang="en-US" dirty="0"/>
+              <a:t>Right identity for adding zero</a:t>
+            </a:r>
+          </a:p>
+        </p:txBody>
+      </p:sp>
+      <p:sp>
+        <p:nvSpPr>
+          <p:cNvPr id="3" name="Content Placeholder 2">
+            <a:extLst>
+              <a:ext uri="{FF2B5EF4-FFF2-40B4-BE49-F238E27FC236}">
+                <a16:creationId xmlns:a16="http://schemas.microsoft.com/office/drawing/2014/main" id="{BCD62A9E-6C1C-1041-8969-A46152FA0303}"/>
+              </a:ext>
+            </a:extLst>
+          </p:cNvPr>
+          <p:cNvSpPr>
+            <a:spLocks noGrp="1"/>
+          </p:cNvSpPr>
+          <p:nvPr>
+            <p:ph idx="1"/>
+          </p:nvPr>
+        </p:nvSpPr>
+        <p:spPr/>
+        <p:txBody>
+          <a:bodyPr>
+            <a:normAutofit fontScale="62500" lnSpcReduction="20000"/>
+          </a:bodyPr>
+          <a:lstStyle/>
+          <a:p>
+            <a:r>
+              <a:rPr lang="en-US" sz="2900" dirty="0"/>
+              <a:t>We can also prove that m + 0 = m, but we need to use induction and </a:t>
+            </a:r>
+            <a:r>
+              <a:rPr lang="en-US" sz="2900" dirty="0" err="1"/>
+              <a:t>simp</a:t>
+            </a:r>
+            <a:r>
+              <a:rPr lang="en-US" sz="2900" dirty="0"/>
+              <a:t> (or some other similar tactic)</a:t>
+            </a:r>
+          </a:p>
+          <a:p>
+            <a:pPr marL="0" indent="0">
+              <a:buNone/>
+            </a:pPr>
+            <a:r>
+              <a:rPr lang="en-US" sz="2500" dirty="0">
+                <a:latin typeface="Courier New" panose="02070309020205020404" pitchFamily="49" charset="0"/>
+                <a:cs typeface="Courier New" panose="02070309020205020404" pitchFamily="49" charset="0"/>
+              </a:rPr>
+              <a:t>theorem </a:t>
+            </a:r>
+            <a:r>
+              <a:rPr lang="en-US" sz="2500" dirty="0" err="1">
+                <a:latin typeface="Courier New" panose="02070309020205020404" pitchFamily="49" charset="0"/>
+                <a:cs typeface="Courier New" panose="02070309020205020404" pitchFamily="49" charset="0"/>
+              </a:rPr>
+              <a:t>zero_right_id</a:t>
+            </a:r>
+            <a:r>
+              <a:rPr lang="en-US" sz="2500" dirty="0">
+                <a:latin typeface="Courier New" panose="02070309020205020404" pitchFamily="49" charset="0"/>
+                <a:cs typeface="Courier New" panose="02070309020205020404" pitchFamily="49" charset="0"/>
+              </a:rPr>
+              <a:t> : </a:t>
+            </a:r>
+          </a:p>
+          <a:p>
+            <a:pPr marL="0" indent="0">
+              <a:buNone/>
+            </a:pPr>
+            <a:r>
+              <a:rPr lang="en-US" sz="2500" dirty="0">
+                <a:latin typeface="Courier New" panose="02070309020205020404" pitchFamily="49" charset="0"/>
+                <a:cs typeface="Courier New" panose="02070309020205020404" pitchFamily="49" charset="0"/>
+              </a:rPr>
+              <a:t>  ∀ m : </a:t>
+            </a:r>
+            <a:r>
+              <a:rPr lang="en-US" sz="2500" dirty="0" err="1">
+                <a:latin typeface="Courier New" panose="02070309020205020404" pitchFamily="49" charset="0"/>
+                <a:cs typeface="Courier New" panose="02070309020205020404" pitchFamily="49" charset="0"/>
+              </a:rPr>
+              <a:t>mynat</a:t>
+            </a:r>
+            <a:r>
+              <a:rPr lang="en-US" sz="2500" dirty="0">
+                <a:latin typeface="Courier New" panose="02070309020205020404" pitchFamily="49" charset="0"/>
+                <a:cs typeface="Courier New" panose="02070309020205020404" pitchFamily="49" charset="0"/>
+              </a:rPr>
+              <a:t>, </a:t>
+            </a:r>
+          </a:p>
+          <a:p>
+            <a:pPr marL="0" indent="0">
+              <a:buNone/>
+            </a:pPr>
+            <a:r>
+              <a:rPr lang="en-US" sz="2500" dirty="0">
+                <a:latin typeface="Courier New" panose="02070309020205020404" pitchFamily="49" charset="0"/>
+                <a:cs typeface="Courier New" panose="02070309020205020404" pitchFamily="49" charset="0"/>
+              </a:rPr>
+              <a:t>    </a:t>
+            </a:r>
+            <a:r>
+              <a:rPr lang="en-US" sz="2500" dirty="0" err="1">
+                <a:latin typeface="Courier New" panose="02070309020205020404" pitchFamily="49" charset="0"/>
+                <a:cs typeface="Courier New" panose="02070309020205020404" pitchFamily="49" charset="0"/>
+              </a:rPr>
+              <a:t>add_mynat</a:t>
+            </a:r>
+            <a:r>
+              <a:rPr lang="en-US" sz="2500" dirty="0">
+                <a:latin typeface="Courier New" panose="02070309020205020404" pitchFamily="49" charset="0"/>
+                <a:cs typeface="Courier New" panose="02070309020205020404" pitchFamily="49" charset="0"/>
+              </a:rPr>
+              <a:t> m </a:t>
+            </a:r>
+            <a:r>
+              <a:rPr lang="en-US" sz="2500" dirty="0" err="1">
+                <a:latin typeface="Courier New" panose="02070309020205020404" pitchFamily="49" charset="0"/>
+                <a:cs typeface="Courier New" panose="02070309020205020404" pitchFamily="49" charset="0"/>
+              </a:rPr>
+              <a:t>mynat.zero</a:t>
+            </a:r>
+            <a:r>
+              <a:rPr lang="en-US" sz="2500" dirty="0">
+                <a:latin typeface="Courier New" panose="02070309020205020404" pitchFamily="49" charset="0"/>
+                <a:cs typeface="Courier New" panose="02070309020205020404" pitchFamily="49" charset="0"/>
+              </a:rPr>
+              <a:t> = m</a:t>
+            </a:r>
+          </a:p>
+          <a:p>
+            <a:pPr marL="0" indent="0">
+              <a:buNone/>
+            </a:pPr>
+            <a:r>
+              <a:rPr lang="en-US" sz="2500" dirty="0">
+                <a:latin typeface="Courier New" panose="02070309020205020404" pitchFamily="49" charset="0"/>
+                <a:cs typeface="Courier New" panose="02070309020205020404" pitchFamily="49" charset="0"/>
+              </a:rPr>
+              <a:t>:=</a:t>
+            </a:r>
+          </a:p>
+          <a:p>
+            <a:pPr marL="0" indent="0">
+              <a:buNone/>
+            </a:pPr>
+            <a:r>
+              <a:rPr lang="en-US" sz="2500" dirty="0">
+                <a:latin typeface="Courier New" panose="02070309020205020404" pitchFamily="49" charset="0"/>
+                <a:cs typeface="Courier New" panose="02070309020205020404" pitchFamily="49" charset="0"/>
+              </a:rPr>
+              <a:t>begin</a:t>
+            </a:r>
+          </a:p>
+          <a:p>
+            <a:pPr marL="0" indent="0">
+              <a:buNone/>
+            </a:pPr>
+            <a:r>
+              <a:rPr lang="en-US" sz="2500" dirty="0">
+                <a:latin typeface="Courier New" panose="02070309020205020404" pitchFamily="49" charset="0"/>
+                <a:cs typeface="Courier New" panose="02070309020205020404" pitchFamily="49" charset="0"/>
+              </a:rPr>
+              <a:t>  intro m,</a:t>
+            </a:r>
+          </a:p>
+          <a:p>
+            <a:pPr marL="0" indent="0">
+              <a:buNone/>
+            </a:pPr>
+            <a:r>
+              <a:rPr lang="en-US" sz="2500" dirty="0">
+                <a:latin typeface="Courier New" panose="02070309020205020404" pitchFamily="49" charset="0"/>
+                <a:cs typeface="Courier New" panose="02070309020205020404" pitchFamily="49" charset="0"/>
+              </a:rPr>
+              <a:t>  induction m with m’ h,</a:t>
+            </a:r>
+          </a:p>
+          <a:p>
+            <a:pPr marL="0" indent="0">
+              <a:buNone/>
+            </a:pPr>
+            <a:r>
+              <a:rPr lang="en-US" sz="2500" dirty="0">
+                <a:latin typeface="Courier New" panose="02070309020205020404" pitchFamily="49" charset="0"/>
+                <a:cs typeface="Courier New" panose="02070309020205020404" pitchFamily="49" charset="0"/>
+              </a:rPr>
+              <a:t>    -- base case</a:t>
+            </a:r>
+          </a:p>
+          <a:p>
+            <a:pPr marL="0" indent="0">
+              <a:buNone/>
+            </a:pPr>
+            <a:r>
+              <a:rPr lang="en-US" sz="2500" dirty="0">
+                <a:latin typeface="Courier New" panose="02070309020205020404" pitchFamily="49" charset="0"/>
+                <a:cs typeface="Courier New" panose="02070309020205020404" pitchFamily="49" charset="0"/>
+              </a:rPr>
+              <a:t>    apply </a:t>
+            </a:r>
+            <a:r>
+              <a:rPr lang="en-US" sz="2500" dirty="0" err="1">
+                <a:latin typeface="Courier New" panose="02070309020205020404" pitchFamily="49" charset="0"/>
+                <a:cs typeface="Courier New" panose="02070309020205020404" pitchFamily="49" charset="0"/>
+              </a:rPr>
+              <a:t>rfl</a:t>
+            </a:r>
+            <a:r>
+              <a:rPr lang="en-US" sz="2500" dirty="0">
+                <a:latin typeface="Courier New" panose="02070309020205020404" pitchFamily="49" charset="0"/>
+                <a:cs typeface="Courier New" panose="02070309020205020404" pitchFamily="49" charset="0"/>
+              </a:rPr>
+              <a:t>,</a:t>
+            </a:r>
+          </a:p>
+          <a:p>
+            <a:pPr marL="0" indent="0">
+              <a:buNone/>
+            </a:pPr>
+            <a:r>
+              <a:rPr lang="en-US" sz="2500" dirty="0">
+                <a:latin typeface="Courier New" panose="02070309020205020404" pitchFamily="49" charset="0"/>
+                <a:cs typeface="Courier New" panose="02070309020205020404" pitchFamily="49" charset="0"/>
+              </a:rPr>
+              <a:t>    -- inductive case</a:t>
+            </a:r>
+          </a:p>
+          <a:p>
+            <a:pPr marL="0" indent="0">
+              <a:buNone/>
+            </a:pPr>
+            <a:r>
+              <a:rPr lang="en-US" sz="2500" dirty="0">
+                <a:latin typeface="Courier New" panose="02070309020205020404" pitchFamily="49" charset="0"/>
+                <a:cs typeface="Courier New" panose="02070309020205020404" pitchFamily="49" charset="0"/>
+              </a:rPr>
+              <a:t>    </a:t>
+            </a:r>
+            <a:r>
+              <a:rPr lang="en-US" sz="2500" dirty="0" err="1">
+                <a:latin typeface="Courier New" panose="02070309020205020404" pitchFamily="49" charset="0"/>
+                <a:cs typeface="Courier New" panose="02070309020205020404" pitchFamily="49" charset="0"/>
+              </a:rPr>
+              <a:t>simp</a:t>
+            </a:r>
+            <a:r>
+              <a:rPr lang="en-US" sz="2500" dirty="0">
+                <a:latin typeface="Courier New" panose="02070309020205020404" pitchFamily="49" charset="0"/>
+                <a:cs typeface="Courier New" panose="02070309020205020404" pitchFamily="49" charset="0"/>
+              </a:rPr>
+              <a:t> [</a:t>
+            </a:r>
+            <a:r>
+              <a:rPr lang="en-US" sz="2500" dirty="0" err="1">
+                <a:latin typeface="Courier New" panose="02070309020205020404" pitchFamily="49" charset="0"/>
+                <a:cs typeface="Courier New" panose="02070309020205020404" pitchFamily="49" charset="0"/>
+              </a:rPr>
+              <a:t>add_mynat</a:t>
+            </a:r>
+            <a:r>
+              <a:rPr lang="en-US" sz="2500" dirty="0">
+                <a:latin typeface="Courier New" panose="02070309020205020404" pitchFamily="49" charset="0"/>
+                <a:cs typeface="Courier New" panose="02070309020205020404" pitchFamily="49" charset="0"/>
+              </a:rPr>
+              <a:t>],</a:t>
+            </a:r>
+          </a:p>
+          <a:p>
+            <a:pPr marL="0" indent="0">
+              <a:buNone/>
+            </a:pPr>
+            <a:r>
+              <a:rPr lang="en-US" sz="2500" dirty="0">
+                <a:latin typeface="Courier New" panose="02070309020205020404" pitchFamily="49" charset="0"/>
+                <a:cs typeface="Courier New" panose="02070309020205020404" pitchFamily="49" charset="0"/>
+              </a:rPr>
+              <a:t>    assumption,</a:t>
+            </a:r>
+          </a:p>
+          <a:p>
+            <a:pPr marL="0" indent="0">
+              <a:buNone/>
+            </a:pPr>
+            <a:r>
+              <a:rPr lang="en-US" sz="2500" dirty="0">
+                <a:latin typeface="Courier New" panose="02070309020205020404" pitchFamily="49" charset="0"/>
+                <a:cs typeface="Courier New" panose="02070309020205020404" pitchFamily="49" charset="0"/>
+              </a:rPr>
+              <a:t>end</a:t>
+            </a:r>
+          </a:p>
+          <a:p>
+            <a:endParaRPr lang="en-US" dirty="0"/>
+          </a:p>
+          <a:p>
+            <a:endParaRPr lang="en-US" dirty="0"/>
+          </a:p>
+        </p:txBody>
+      </p:sp>
+      <p:sp>
+        <p:nvSpPr>
+          <p:cNvPr id="4" name="Slide Number Placeholder 3">
+            <a:extLst>
+              <a:ext uri="{FF2B5EF4-FFF2-40B4-BE49-F238E27FC236}">
+                <a16:creationId xmlns:a16="http://schemas.microsoft.com/office/drawing/2014/main" id="{72CAD00F-251E-8E4F-A703-93A638BFC230}"/>
+              </a:ext>
+            </a:extLst>
+          </p:cNvPr>
+          <p:cNvSpPr>
+            <a:spLocks noGrp="1"/>
+          </p:cNvSpPr>
+          <p:nvPr>
+            <p:ph type="sldNum" sz="quarter" idx="12"/>
+          </p:nvPr>
+        </p:nvSpPr>
+        <p:spPr/>
+        <p:txBody>
+          <a:bodyPr/>
+          <a:lstStyle/>
+          <a:p>
+            <a:fld id="{3352CBF5-17B8-4387-88A6-ABF9F8C64D5A}" type="slidenum">
+              <a:rPr lang="en-US" smtClean="0"/>
+              <a:t>13</a:t>
+            </a:fld>
+            <a:endParaRPr lang="en-US"/>
+          </a:p>
+        </p:txBody>
+      </p:sp>
+    </p:spTree>
+    <p:extLst>
+      <p:ext uri="{BB962C8B-B14F-4D97-AF65-F5344CB8AC3E}">
+        <p14:creationId xmlns:p14="http://schemas.microsoft.com/office/powerpoint/2010/main" val="3580552112"/>
+      </p:ext>
+    </p:extLst>
+  </p:cSld>
+  <p:clrMapOvr>
+    <a:masterClrMapping/>
+  </p:clrMapOvr>
+</p:sld>
+</file>
+
+<file path=ppt/slides/slide14.xml><?xml version="1.0" encoding="utf-8"?>
+<p:sld xmlns:a="http://schemas.openxmlformats.org/drawingml/2006/main" xmlns:r="http://schemas.openxmlformats.org/officeDocument/2006/relationships" xmlns:p="http://schemas.openxmlformats.org/presentationml/2006/main">
+  <p:cSld>
+    <p:spTree>
+      <p:nvGrpSpPr>
+        <p:cNvPr id="1" name=""/>
+        <p:cNvGrpSpPr/>
+        <p:nvPr/>
+      </p:nvGrpSpPr>
+      <p:grpSpPr>
+        <a:xfrm>
+          <a:off x="0" y="0"/>
+          <a:ext cx="0" cy="0"/>
+          <a:chOff x="0" y="0"/>
+          <a:chExt cx="0" cy="0"/>
+        </a:xfrm>
+      </p:grpSpPr>
+      <p:sp>
+        <p:nvSpPr>
+          <p:cNvPr id="2" name="Title 1">
+            <a:extLst>
+              <a:ext uri="{FF2B5EF4-FFF2-40B4-BE49-F238E27FC236}">
+                <a16:creationId xmlns:a16="http://schemas.microsoft.com/office/drawing/2014/main" id="{0F79C84F-1066-EE45-B2E1-2687FA3E794E}"/>
+              </a:ext>
+            </a:extLst>
+          </p:cNvPr>
+          <p:cNvSpPr>
+            <a:spLocks noGrp="1"/>
+          </p:cNvSpPr>
+          <p:nvPr>
+            <p:ph type="title"/>
+          </p:nvPr>
+        </p:nvSpPr>
+        <p:spPr/>
+        <p:txBody>
+          <a:bodyPr/>
+          <a:lstStyle/>
+          <a:p>
+            <a:r>
+              <a:rPr lang="en-US" dirty="0"/>
+              <a:t>Another induction example</a:t>
+            </a:r>
+          </a:p>
+        </p:txBody>
+      </p:sp>
+      <p:sp>
+        <p:nvSpPr>
+          <p:cNvPr id="3" name="Content Placeholder 2">
+            <a:extLst>
+              <a:ext uri="{FF2B5EF4-FFF2-40B4-BE49-F238E27FC236}">
+                <a16:creationId xmlns:a16="http://schemas.microsoft.com/office/drawing/2014/main" id="{C7F65C29-E100-7048-8005-EC9398400DDC}"/>
+              </a:ext>
+            </a:extLst>
+          </p:cNvPr>
+          <p:cNvSpPr>
+            <a:spLocks noGrp="1"/>
+          </p:cNvSpPr>
+          <p:nvPr>
+            <p:ph idx="1"/>
+          </p:nvPr>
+        </p:nvSpPr>
+        <p:spPr/>
+        <p:txBody>
+          <a:bodyPr>
+            <a:normAutofit fontScale="85000" lnSpcReduction="20000"/>
+          </a:bodyPr>
+          <a:lstStyle/>
+          <a:p>
+            <a:r>
+              <a:rPr lang="en-US" dirty="0"/>
+              <a:t>Prove n + (m + 1) = (n + m) + 1</a:t>
+            </a:r>
+          </a:p>
+          <a:p>
+            <a:pPr marL="0" indent="0">
+              <a:buNone/>
+            </a:pPr>
+            <a:r>
+              <a:rPr lang="en-US" sz="2600" dirty="0">
+                <a:latin typeface="Courier New" panose="02070309020205020404" pitchFamily="49" charset="0"/>
+                <a:cs typeface="Courier New" panose="02070309020205020404" pitchFamily="49" charset="0"/>
+              </a:rPr>
+              <a:t>lemma </a:t>
+            </a:r>
+            <a:r>
+              <a:rPr lang="en-US" sz="2600" dirty="0" err="1">
+                <a:latin typeface="Courier New" panose="02070309020205020404" pitchFamily="49" charset="0"/>
+                <a:cs typeface="Courier New" panose="02070309020205020404" pitchFamily="49" charset="0"/>
+              </a:rPr>
+              <a:t>add_n_succ_m</a:t>
+            </a:r>
+            <a:r>
+              <a:rPr lang="en-US" sz="2600" dirty="0">
+                <a:latin typeface="Courier New" panose="02070309020205020404" pitchFamily="49" charset="0"/>
+                <a:cs typeface="Courier New" panose="02070309020205020404" pitchFamily="49" charset="0"/>
+              </a:rPr>
+              <a:t> :</a:t>
+            </a:r>
+          </a:p>
+          <a:p>
+            <a:pPr marL="0" indent="0">
+              <a:buNone/>
+            </a:pPr>
+            <a:r>
+              <a:rPr lang="en-US" sz="2600" dirty="0">
+                <a:latin typeface="Courier New" panose="02070309020205020404" pitchFamily="49" charset="0"/>
+                <a:cs typeface="Courier New" panose="02070309020205020404" pitchFamily="49" charset="0"/>
+              </a:rPr>
+              <a:t>  ∀ n m : </a:t>
+            </a:r>
+            <a:r>
+              <a:rPr lang="en-US" sz="2600" dirty="0" err="1">
+                <a:latin typeface="Courier New" panose="02070309020205020404" pitchFamily="49" charset="0"/>
+                <a:cs typeface="Courier New" panose="02070309020205020404" pitchFamily="49" charset="0"/>
+              </a:rPr>
+              <a:t>mynat</a:t>
+            </a:r>
+            <a:r>
+              <a:rPr lang="en-US" sz="2600" dirty="0">
+                <a:latin typeface="Courier New" panose="02070309020205020404" pitchFamily="49" charset="0"/>
+                <a:cs typeface="Courier New" panose="02070309020205020404" pitchFamily="49" charset="0"/>
+              </a:rPr>
+              <a:t>, </a:t>
+            </a:r>
+          </a:p>
+          <a:p>
+            <a:pPr marL="0" indent="0">
+              <a:buNone/>
+            </a:pPr>
+            <a:r>
+              <a:rPr lang="en-US" sz="2600" dirty="0">
+                <a:latin typeface="Courier New" panose="02070309020205020404" pitchFamily="49" charset="0"/>
+                <a:cs typeface="Courier New" panose="02070309020205020404" pitchFamily="49" charset="0"/>
+              </a:rPr>
+              <a:t>    </a:t>
+            </a:r>
+            <a:r>
+              <a:rPr lang="en-US" sz="2600" dirty="0" err="1">
+                <a:latin typeface="Courier New" panose="02070309020205020404" pitchFamily="49" charset="0"/>
+                <a:cs typeface="Courier New" panose="02070309020205020404" pitchFamily="49" charset="0"/>
+              </a:rPr>
+              <a:t>add_mynat</a:t>
+            </a:r>
+            <a:r>
+              <a:rPr lang="en-US" sz="2600" dirty="0">
+                <a:latin typeface="Courier New" panose="02070309020205020404" pitchFamily="49" charset="0"/>
+                <a:cs typeface="Courier New" panose="02070309020205020404" pitchFamily="49" charset="0"/>
+              </a:rPr>
+              <a:t> n (</a:t>
+            </a:r>
+            <a:r>
+              <a:rPr lang="en-US" sz="2600" dirty="0" err="1">
+                <a:latin typeface="Courier New" panose="02070309020205020404" pitchFamily="49" charset="0"/>
+                <a:cs typeface="Courier New" panose="02070309020205020404" pitchFamily="49" charset="0"/>
+              </a:rPr>
+              <a:t>mynat.succ</a:t>
+            </a:r>
+            <a:r>
+              <a:rPr lang="en-US" sz="2600" dirty="0">
+                <a:latin typeface="Courier New" panose="02070309020205020404" pitchFamily="49" charset="0"/>
+                <a:cs typeface="Courier New" panose="02070309020205020404" pitchFamily="49" charset="0"/>
+              </a:rPr>
+              <a:t> m) =</a:t>
+            </a:r>
+          </a:p>
+          <a:p>
+            <a:pPr marL="0" indent="0">
+              <a:buNone/>
+            </a:pPr>
+            <a:r>
+              <a:rPr lang="en-US" sz="2600" dirty="0">
+                <a:latin typeface="Courier New" panose="02070309020205020404" pitchFamily="49" charset="0"/>
+                <a:cs typeface="Courier New" panose="02070309020205020404" pitchFamily="49" charset="0"/>
+              </a:rPr>
+              <a:t>      </a:t>
+            </a:r>
+            <a:r>
+              <a:rPr lang="en-US" sz="2600" dirty="0" err="1">
+                <a:latin typeface="Courier New" panose="02070309020205020404" pitchFamily="49" charset="0"/>
+                <a:cs typeface="Courier New" panose="02070309020205020404" pitchFamily="49" charset="0"/>
+              </a:rPr>
+              <a:t>mynat.succ</a:t>
+            </a:r>
+            <a:r>
+              <a:rPr lang="en-US" sz="2600" dirty="0">
+                <a:latin typeface="Courier New" panose="02070309020205020404" pitchFamily="49" charset="0"/>
+                <a:cs typeface="Courier New" panose="02070309020205020404" pitchFamily="49" charset="0"/>
+              </a:rPr>
+              <a:t> (</a:t>
+            </a:r>
+            <a:r>
+              <a:rPr lang="en-US" sz="2600" dirty="0" err="1">
+                <a:latin typeface="Courier New" panose="02070309020205020404" pitchFamily="49" charset="0"/>
+                <a:cs typeface="Courier New" panose="02070309020205020404" pitchFamily="49" charset="0"/>
+              </a:rPr>
+              <a:t>add_mynat</a:t>
+            </a:r>
+            <a:r>
+              <a:rPr lang="en-US" sz="2600" dirty="0">
+                <a:latin typeface="Courier New" panose="02070309020205020404" pitchFamily="49" charset="0"/>
+                <a:cs typeface="Courier New" panose="02070309020205020404" pitchFamily="49" charset="0"/>
+              </a:rPr>
+              <a:t> n m) :=</a:t>
+            </a:r>
+          </a:p>
+          <a:p>
+            <a:pPr marL="0" indent="0">
+              <a:buNone/>
+            </a:pPr>
+            <a:r>
+              <a:rPr lang="en-US" sz="2600" dirty="0">
+                <a:latin typeface="Courier New" panose="02070309020205020404" pitchFamily="49" charset="0"/>
+                <a:cs typeface="Courier New" panose="02070309020205020404" pitchFamily="49" charset="0"/>
+              </a:rPr>
+              <a:t>begin</a:t>
+            </a:r>
+          </a:p>
+          <a:p>
+            <a:pPr marL="0" indent="0">
+              <a:buNone/>
+            </a:pPr>
+            <a:r>
+              <a:rPr lang="en-US" sz="2600" dirty="0">
+                <a:latin typeface="Courier New" panose="02070309020205020404" pitchFamily="49" charset="0"/>
+                <a:cs typeface="Courier New" panose="02070309020205020404" pitchFamily="49" charset="0"/>
+              </a:rPr>
+              <a:t>  intros n m,</a:t>
+            </a:r>
+          </a:p>
+          <a:p>
+            <a:pPr marL="0" indent="0">
+              <a:buNone/>
+            </a:pPr>
+            <a:r>
+              <a:rPr lang="en-US" sz="2600" dirty="0">
+                <a:latin typeface="Courier New" panose="02070309020205020404" pitchFamily="49" charset="0"/>
+                <a:cs typeface="Courier New" panose="02070309020205020404" pitchFamily="49" charset="0"/>
+              </a:rPr>
+              <a:t>  induction n with n' h,</a:t>
+            </a:r>
+          </a:p>
+          <a:p>
+            <a:pPr marL="0" indent="0">
+              <a:buNone/>
+            </a:pPr>
+            <a:r>
+              <a:rPr lang="en-US" sz="2600" dirty="0">
+                <a:latin typeface="Courier New" panose="02070309020205020404" pitchFamily="49" charset="0"/>
+                <a:cs typeface="Courier New" panose="02070309020205020404" pitchFamily="49" charset="0"/>
+              </a:rPr>
+              <a:t>    apply </a:t>
+            </a:r>
+            <a:r>
+              <a:rPr lang="en-US" sz="2600" dirty="0" err="1">
+                <a:latin typeface="Courier New" panose="02070309020205020404" pitchFamily="49" charset="0"/>
+                <a:cs typeface="Courier New" panose="02070309020205020404" pitchFamily="49" charset="0"/>
+              </a:rPr>
+              <a:t>rfl</a:t>
+            </a:r>
+            <a:r>
+              <a:rPr lang="en-US" sz="2600" dirty="0">
+                <a:latin typeface="Courier New" panose="02070309020205020404" pitchFamily="49" charset="0"/>
+                <a:cs typeface="Courier New" panose="02070309020205020404" pitchFamily="49" charset="0"/>
+              </a:rPr>
+              <a:t>,  -- base case</a:t>
+            </a:r>
+          </a:p>
+          <a:p>
+            <a:pPr marL="0" indent="0">
+              <a:buNone/>
+            </a:pPr>
+            <a:r>
+              <a:rPr lang="en-US" sz="2600" dirty="0">
+                <a:latin typeface="Courier New" panose="02070309020205020404" pitchFamily="49" charset="0"/>
+                <a:cs typeface="Courier New" panose="02070309020205020404" pitchFamily="49" charset="0"/>
+              </a:rPr>
+              <a:t>    </a:t>
+            </a:r>
+            <a:r>
+              <a:rPr lang="en-US" sz="2600" dirty="0" err="1">
+                <a:latin typeface="Courier New" panose="02070309020205020404" pitchFamily="49" charset="0"/>
+                <a:cs typeface="Courier New" panose="02070309020205020404" pitchFamily="49" charset="0"/>
+              </a:rPr>
+              <a:t>simp</a:t>
+            </a:r>
+            <a:r>
+              <a:rPr lang="en-US" sz="2600" dirty="0">
+                <a:latin typeface="Courier New" panose="02070309020205020404" pitchFamily="49" charset="0"/>
+                <a:cs typeface="Courier New" panose="02070309020205020404" pitchFamily="49" charset="0"/>
+              </a:rPr>
+              <a:t> [</a:t>
+            </a:r>
+            <a:r>
+              <a:rPr lang="en-US" sz="2600" dirty="0" err="1">
+                <a:latin typeface="Courier New" panose="02070309020205020404" pitchFamily="49" charset="0"/>
+                <a:cs typeface="Courier New" panose="02070309020205020404" pitchFamily="49" charset="0"/>
+              </a:rPr>
+              <a:t>add_mynat</a:t>
+            </a:r>
+            <a:r>
+              <a:rPr lang="en-US" sz="2600" dirty="0">
+                <a:latin typeface="Courier New" panose="02070309020205020404" pitchFamily="49" charset="0"/>
+                <a:cs typeface="Courier New" panose="02070309020205020404" pitchFamily="49" charset="0"/>
+              </a:rPr>
+              <a:t>], -- inductive </a:t>
+            </a:r>
+            <a:r>
+              <a:rPr lang="en-US" sz="2600" dirty="0" err="1">
+                <a:latin typeface="Courier New" panose="02070309020205020404" pitchFamily="49" charset="0"/>
+                <a:cs typeface="Courier New" panose="02070309020205020404" pitchFamily="49" charset="0"/>
+              </a:rPr>
+              <a:t>casex</a:t>
+            </a:r>
+            <a:r>
+              <a:rPr lang="en-US" sz="2600" dirty="0">
+                <a:latin typeface="Courier New" panose="02070309020205020404" pitchFamily="49" charset="0"/>
+                <a:cs typeface="Courier New" panose="02070309020205020404" pitchFamily="49" charset="0"/>
+              </a:rPr>
+              <a:t>`</a:t>
+            </a:r>
+          </a:p>
+          <a:p>
+            <a:pPr marL="0" indent="0">
+              <a:buNone/>
+            </a:pPr>
+            <a:r>
+              <a:rPr lang="en-US" sz="2600" dirty="0">
+                <a:latin typeface="Courier New" panose="02070309020205020404" pitchFamily="49" charset="0"/>
+                <a:cs typeface="Courier New" panose="02070309020205020404" pitchFamily="49" charset="0"/>
+              </a:rPr>
+              <a:t>    assumption,</a:t>
+            </a:r>
+          </a:p>
+          <a:p>
+            <a:pPr marL="0" indent="0">
+              <a:buNone/>
+            </a:pPr>
+            <a:r>
+              <a:rPr lang="en-US" sz="2600" dirty="0">
+                <a:latin typeface="Courier New" panose="02070309020205020404" pitchFamily="49" charset="0"/>
+                <a:cs typeface="Courier New" panose="02070309020205020404" pitchFamily="49" charset="0"/>
+              </a:rPr>
+              <a:t>end</a:t>
+            </a:r>
+          </a:p>
+        </p:txBody>
+      </p:sp>
+      <p:sp>
+        <p:nvSpPr>
+          <p:cNvPr id="4" name="Slide Number Placeholder 3">
+            <a:extLst>
+              <a:ext uri="{FF2B5EF4-FFF2-40B4-BE49-F238E27FC236}">
+                <a16:creationId xmlns:a16="http://schemas.microsoft.com/office/drawing/2014/main" id="{41F52299-6AE1-944E-A2A2-48E8AE901448}"/>
+              </a:ext>
+            </a:extLst>
+          </p:cNvPr>
+          <p:cNvSpPr>
+            <a:spLocks noGrp="1"/>
+          </p:cNvSpPr>
+          <p:nvPr>
+            <p:ph type="sldNum" sz="quarter" idx="12"/>
+          </p:nvPr>
+        </p:nvSpPr>
+        <p:spPr/>
+        <p:txBody>
+          <a:bodyPr/>
+          <a:lstStyle/>
+          <a:p>
+            <a:fld id="{3352CBF5-17B8-4387-88A6-ABF9F8C64D5A}" type="slidenum">
+              <a:rPr lang="en-US" smtClean="0"/>
+              <a:t>14</a:t>
+            </a:fld>
+            <a:endParaRPr lang="en-US"/>
+          </a:p>
+        </p:txBody>
+      </p:sp>
+    </p:spTree>
+    <p:extLst>
+      <p:ext uri="{BB962C8B-B14F-4D97-AF65-F5344CB8AC3E}">
+        <p14:creationId xmlns:p14="http://schemas.microsoft.com/office/powerpoint/2010/main" val="4209127278"/>
+      </p:ext>
+    </p:extLst>
+  </p:cSld>
+  <p:clrMapOvr>
+    <a:masterClrMapping/>
+  </p:clrMapOvr>
+</p:sld>
+</file>
+
+<file path=ppt/slides/slide15.xml><?xml version="1.0" encoding="utf-8"?>
+<p:sld xmlns:a="http://schemas.openxmlformats.org/drawingml/2006/main" xmlns:r="http://schemas.openxmlformats.org/officeDocument/2006/relationships" xmlns:p="http://schemas.openxmlformats.org/presentationml/2006/main">
+  <p:cSld>
+    <p:spTree>
+      <p:nvGrpSpPr>
+        <p:cNvPr id="1" name=""/>
+        <p:cNvGrpSpPr/>
+        <p:nvPr/>
+      </p:nvGrpSpPr>
+      <p:grpSpPr>
+        <a:xfrm>
+          <a:off x="0" y="0"/>
+          <a:ext cx="0" cy="0"/>
+          <a:chOff x="0" y="0"/>
+          <a:chExt cx="0" cy="0"/>
+        </a:xfrm>
+      </p:grpSpPr>
+      <p:sp>
+        <p:nvSpPr>
+          <p:cNvPr id="2" name="Title 1">
+            <a:extLst>
+              <a:ext uri="{FF2B5EF4-FFF2-40B4-BE49-F238E27FC236}">
+                <a16:creationId xmlns:a16="http://schemas.microsoft.com/office/drawing/2014/main" id="{1C7F2F24-EC78-EF46-8195-7F7DAB1C197A}"/>
+              </a:ext>
+            </a:extLst>
+          </p:cNvPr>
+          <p:cNvSpPr>
+            <a:spLocks noGrp="1"/>
+          </p:cNvSpPr>
+          <p:nvPr>
+            <p:ph type="title"/>
+          </p:nvPr>
+        </p:nvSpPr>
+        <p:spPr/>
+        <p:txBody>
+          <a:bodyPr/>
+          <a:lstStyle/>
+          <a:p>
+            <a:r>
+              <a:rPr lang="en-US" dirty="0"/>
+              <a:t>Yet another induction example</a:t>
+            </a:r>
+          </a:p>
+        </p:txBody>
+      </p:sp>
+      <p:sp>
+        <p:nvSpPr>
+          <p:cNvPr id="3" name="Content Placeholder 2">
+            <a:extLst>
+              <a:ext uri="{FF2B5EF4-FFF2-40B4-BE49-F238E27FC236}">
+                <a16:creationId xmlns:a16="http://schemas.microsoft.com/office/drawing/2014/main" id="{25921E9E-53BD-6343-A34A-0B628CD8A177}"/>
+              </a:ext>
+            </a:extLst>
+          </p:cNvPr>
+          <p:cNvSpPr>
+            <a:spLocks noGrp="1"/>
+          </p:cNvSpPr>
+          <p:nvPr>
+            <p:ph idx="1"/>
+          </p:nvPr>
+        </p:nvSpPr>
+        <p:spPr>
+          <a:xfrm>
+            <a:off x="838200" y="1436914"/>
+            <a:ext cx="10515600" cy="5055961"/>
+          </a:xfrm>
+        </p:spPr>
+        <p:txBody>
+          <a:bodyPr>
+            <a:noAutofit/>
+          </a:bodyPr>
+          <a:lstStyle/>
+          <a:p>
+            <a:pPr marL="0" indent="0">
+              <a:buNone/>
+            </a:pPr>
+            <a:r>
+              <a:rPr lang="en-US" sz="2000" dirty="0">
+                <a:latin typeface="Courier New" panose="02070309020205020404" pitchFamily="49" charset="0"/>
+                <a:cs typeface="Courier New" panose="02070309020205020404" pitchFamily="49" charset="0"/>
+              </a:rPr>
+              <a:t>example : </a:t>
+            </a:r>
+            <a:br>
+              <a:rPr lang="en-US" sz="2000" dirty="0">
+                <a:latin typeface="Courier New" panose="02070309020205020404" pitchFamily="49" charset="0"/>
+                <a:cs typeface="Courier New" panose="02070309020205020404" pitchFamily="49" charset="0"/>
+              </a:rPr>
+            </a:br>
+            <a:r>
+              <a:rPr lang="en-US" sz="2000" dirty="0">
+                <a:latin typeface="Courier New" panose="02070309020205020404" pitchFamily="49" charset="0"/>
+                <a:cs typeface="Courier New" panose="02070309020205020404" pitchFamily="49" charset="0"/>
+              </a:rPr>
+              <a:t>  ∀ m n : </a:t>
+            </a:r>
+            <a:r>
+              <a:rPr lang="en-US" sz="2000" dirty="0" err="1">
+                <a:latin typeface="Courier New" panose="02070309020205020404" pitchFamily="49" charset="0"/>
+                <a:cs typeface="Courier New" panose="02070309020205020404" pitchFamily="49" charset="0"/>
+              </a:rPr>
+              <a:t>mynat</a:t>
+            </a:r>
+            <a:r>
+              <a:rPr lang="en-US" sz="2000" dirty="0">
+                <a:latin typeface="Courier New" panose="02070309020205020404" pitchFamily="49" charset="0"/>
+                <a:cs typeface="Courier New" panose="02070309020205020404" pitchFamily="49" charset="0"/>
+              </a:rPr>
+              <a:t>, </a:t>
+            </a:r>
+            <a:br>
+              <a:rPr lang="en-US" sz="2000" dirty="0">
+                <a:latin typeface="Courier New" panose="02070309020205020404" pitchFamily="49" charset="0"/>
+                <a:cs typeface="Courier New" panose="02070309020205020404" pitchFamily="49" charset="0"/>
+              </a:rPr>
+            </a:br>
+            <a:r>
+              <a:rPr lang="en-US" sz="2000" dirty="0">
+                <a:latin typeface="Courier New" panose="02070309020205020404" pitchFamily="49" charset="0"/>
+                <a:cs typeface="Courier New" panose="02070309020205020404" pitchFamily="49" charset="0"/>
+              </a:rPr>
+              <a:t>    </a:t>
+            </a:r>
+            <a:r>
+              <a:rPr lang="en-US" sz="2000" dirty="0" err="1">
+                <a:latin typeface="Courier New" panose="02070309020205020404" pitchFamily="49" charset="0"/>
+                <a:cs typeface="Courier New" panose="02070309020205020404" pitchFamily="49" charset="0"/>
+              </a:rPr>
+              <a:t>add_mynat</a:t>
+            </a:r>
+            <a:r>
+              <a:rPr lang="en-US" sz="2000" dirty="0">
+                <a:latin typeface="Courier New" panose="02070309020205020404" pitchFamily="49" charset="0"/>
+                <a:cs typeface="Courier New" panose="02070309020205020404" pitchFamily="49" charset="0"/>
+              </a:rPr>
+              <a:t> m n = </a:t>
+            </a:r>
+            <a:r>
+              <a:rPr lang="en-US" sz="2000" dirty="0" err="1">
+                <a:latin typeface="Courier New" panose="02070309020205020404" pitchFamily="49" charset="0"/>
+                <a:cs typeface="Courier New" panose="02070309020205020404" pitchFamily="49" charset="0"/>
+              </a:rPr>
+              <a:t>add_mynat</a:t>
+            </a:r>
+            <a:r>
+              <a:rPr lang="en-US" sz="2000" dirty="0">
+                <a:latin typeface="Courier New" panose="02070309020205020404" pitchFamily="49" charset="0"/>
+                <a:cs typeface="Courier New" panose="02070309020205020404" pitchFamily="49" charset="0"/>
+              </a:rPr>
+              <a:t> n m :=</a:t>
+            </a:r>
+          </a:p>
+          <a:p>
+            <a:pPr marL="0" indent="0">
+              <a:buNone/>
+            </a:pPr>
+            <a:r>
+              <a:rPr lang="en-US" sz="2000" dirty="0">
+                <a:latin typeface="Courier New" panose="02070309020205020404" pitchFamily="49" charset="0"/>
+                <a:cs typeface="Courier New" panose="02070309020205020404" pitchFamily="49" charset="0"/>
+              </a:rPr>
+              <a:t>b</a:t>
+            </a:r>
+            <a:r>
+              <a:rPr lang="en-US" sz="2000">
+                <a:latin typeface="Courier New" panose="02070309020205020404" pitchFamily="49" charset="0"/>
+                <a:cs typeface="Courier New" panose="02070309020205020404" pitchFamily="49" charset="0"/>
+              </a:rPr>
+              <a:t>egin</a:t>
+            </a:r>
+            <a:br>
+              <a:rPr lang="en-US" sz="2000" dirty="0">
+                <a:latin typeface="Courier New" panose="02070309020205020404" pitchFamily="49" charset="0"/>
+                <a:cs typeface="Courier New" panose="02070309020205020404" pitchFamily="49" charset="0"/>
+              </a:rPr>
+            </a:br>
+            <a:r>
+              <a:rPr lang="en-US" sz="2000" dirty="0">
+                <a:latin typeface="Courier New" panose="02070309020205020404" pitchFamily="49" charset="0"/>
+                <a:cs typeface="Courier New" panose="02070309020205020404" pitchFamily="49" charset="0"/>
+              </a:rPr>
+              <a:t>  intros m n,</a:t>
+            </a:r>
+            <a:br>
+              <a:rPr lang="en-US" sz="2000" dirty="0">
+                <a:latin typeface="Courier New" panose="02070309020205020404" pitchFamily="49" charset="0"/>
+                <a:cs typeface="Courier New" panose="02070309020205020404" pitchFamily="49" charset="0"/>
+              </a:rPr>
+            </a:br>
+            <a:r>
+              <a:rPr lang="en-US" sz="2000" dirty="0">
+                <a:latin typeface="Courier New" panose="02070309020205020404" pitchFamily="49" charset="0"/>
+                <a:cs typeface="Courier New" panose="02070309020205020404" pitchFamily="49" charset="0"/>
+              </a:rPr>
+              <a:t>  -- by induction on m</a:t>
+            </a:r>
+            <a:br>
+              <a:rPr lang="en-US" sz="2000" dirty="0">
+                <a:latin typeface="Courier New" panose="02070309020205020404" pitchFamily="49" charset="0"/>
+                <a:cs typeface="Courier New" panose="02070309020205020404" pitchFamily="49" charset="0"/>
+              </a:rPr>
+            </a:br>
+            <a:r>
+              <a:rPr lang="en-US" sz="2000" dirty="0">
+                <a:latin typeface="Courier New" panose="02070309020205020404" pitchFamily="49" charset="0"/>
+                <a:cs typeface="Courier New" panose="02070309020205020404" pitchFamily="49" charset="0"/>
+              </a:rPr>
+              <a:t>  induction m with m’ h,</a:t>
+            </a:r>
+            <a:br>
+              <a:rPr lang="en-US" sz="2000" dirty="0">
+                <a:latin typeface="Courier New" panose="02070309020205020404" pitchFamily="49" charset="0"/>
+                <a:cs typeface="Courier New" panose="02070309020205020404" pitchFamily="49" charset="0"/>
+              </a:rPr>
+            </a:br>
+            <a:r>
+              <a:rPr lang="en-US" sz="2000" dirty="0">
+                <a:latin typeface="Courier New" panose="02070309020205020404" pitchFamily="49" charset="0"/>
+                <a:cs typeface="Courier New" panose="02070309020205020404" pitchFamily="49" charset="0"/>
+              </a:rPr>
+              <a:t>    --base case: m = zero</a:t>
+            </a:r>
+            <a:br>
+              <a:rPr lang="en-US" sz="2000" dirty="0">
+                <a:latin typeface="Courier New" panose="02070309020205020404" pitchFamily="49" charset="0"/>
+                <a:cs typeface="Courier New" panose="02070309020205020404" pitchFamily="49" charset="0"/>
+              </a:rPr>
+            </a:br>
+            <a:r>
+              <a:rPr lang="en-US" sz="2000" dirty="0">
+                <a:latin typeface="Courier New" panose="02070309020205020404" pitchFamily="49" charset="0"/>
+                <a:cs typeface="Courier New" panose="02070309020205020404" pitchFamily="49" charset="0"/>
+              </a:rPr>
+              <a:t>    </a:t>
+            </a:r>
+            <a:r>
+              <a:rPr lang="en-US" sz="2000" dirty="0" err="1">
+                <a:latin typeface="Courier New" panose="02070309020205020404" pitchFamily="49" charset="0"/>
+                <a:cs typeface="Courier New" panose="02070309020205020404" pitchFamily="49" charset="0"/>
+              </a:rPr>
+              <a:t>simp</a:t>
+            </a:r>
+            <a:r>
+              <a:rPr lang="en-US" sz="2000" dirty="0">
+                <a:latin typeface="Courier New" panose="02070309020205020404" pitchFamily="49" charset="0"/>
+                <a:cs typeface="Courier New" panose="02070309020205020404" pitchFamily="49" charset="0"/>
+              </a:rPr>
+              <a:t> [</a:t>
+            </a:r>
+            <a:r>
+              <a:rPr lang="en-US" sz="2000" dirty="0" err="1">
+                <a:latin typeface="Courier New" panose="02070309020205020404" pitchFamily="49" charset="0"/>
+                <a:cs typeface="Courier New" panose="02070309020205020404" pitchFamily="49" charset="0"/>
+              </a:rPr>
+              <a:t>add_mynat</a:t>
+            </a:r>
+            <a:r>
+              <a:rPr lang="en-US" sz="2000" dirty="0">
+                <a:latin typeface="Courier New" panose="02070309020205020404" pitchFamily="49" charset="0"/>
+                <a:cs typeface="Courier New" panose="02070309020205020404" pitchFamily="49" charset="0"/>
+              </a:rPr>
+              <a:t>],</a:t>
+            </a:r>
+            <a:br>
+              <a:rPr lang="en-US" sz="2000" dirty="0">
+                <a:latin typeface="Courier New" panose="02070309020205020404" pitchFamily="49" charset="0"/>
+                <a:cs typeface="Courier New" panose="02070309020205020404" pitchFamily="49" charset="0"/>
+              </a:rPr>
+            </a:br>
+            <a:r>
+              <a:rPr lang="en-US" sz="2000" dirty="0">
+                <a:latin typeface="Courier New" panose="02070309020205020404" pitchFamily="49" charset="0"/>
+                <a:cs typeface="Courier New" panose="02070309020205020404" pitchFamily="49" charset="0"/>
+              </a:rPr>
+              <a:t>    </a:t>
+            </a:r>
+            <a:r>
+              <a:rPr lang="en-US" sz="2000" dirty="0" err="1">
+                <a:latin typeface="Courier New" panose="02070309020205020404" pitchFamily="49" charset="0"/>
+                <a:cs typeface="Courier New" panose="02070309020205020404" pitchFamily="49" charset="0"/>
+              </a:rPr>
+              <a:t>rw</a:t>
+            </a:r>
+            <a:r>
+              <a:rPr lang="en-US" sz="2000" dirty="0">
+                <a:latin typeface="Courier New" panose="02070309020205020404" pitchFamily="49" charset="0"/>
+                <a:cs typeface="Courier New" panose="02070309020205020404" pitchFamily="49" charset="0"/>
+              </a:rPr>
+              <a:t> </a:t>
+            </a:r>
+            <a:r>
+              <a:rPr lang="en-US" sz="2000" dirty="0" err="1">
+                <a:latin typeface="Courier New" panose="02070309020205020404" pitchFamily="49" charset="0"/>
+                <a:cs typeface="Courier New" panose="02070309020205020404" pitchFamily="49" charset="0"/>
+              </a:rPr>
+              <a:t>zero_right_id</a:t>
+            </a:r>
+            <a:r>
+              <a:rPr lang="en-US" sz="2000" dirty="0">
+                <a:latin typeface="Courier New" panose="02070309020205020404" pitchFamily="49" charset="0"/>
+                <a:cs typeface="Courier New" panose="02070309020205020404" pitchFamily="49" charset="0"/>
+              </a:rPr>
+              <a:t>,</a:t>
+            </a:r>
+          </a:p>
+          <a:p>
+            <a:pPr marL="0" indent="0">
+              <a:buNone/>
+            </a:pPr>
+            <a:r>
+              <a:rPr lang="en-US" sz="2000" dirty="0">
+                <a:latin typeface="Courier New" panose="02070309020205020404" pitchFamily="49" charset="0"/>
+                <a:cs typeface="Courier New" panose="02070309020205020404" pitchFamily="49" charset="0"/>
+              </a:rPr>
+              <a:t>    -- inductive case: if true for m then true for </a:t>
+            </a:r>
+            <a:r>
+              <a:rPr lang="en-US" sz="2000" dirty="0" err="1">
+                <a:latin typeface="Courier New" panose="02070309020205020404" pitchFamily="49" charset="0"/>
+                <a:cs typeface="Courier New" panose="02070309020205020404" pitchFamily="49" charset="0"/>
+              </a:rPr>
+              <a:t>succ</a:t>
+            </a:r>
+            <a:r>
+              <a:rPr lang="en-US" sz="2000" dirty="0">
+                <a:latin typeface="Courier New" panose="02070309020205020404" pitchFamily="49" charset="0"/>
+                <a:cs typeface="Courier New" panose="02070309020205020404" pitchFamily="49" charset="0"/>
+              </a:rPr>
+              <a:t> m</a:t>
+            </a:r>
+            <a:br>
+              <a:rPr lang="en-US" sz="2000" dirty="0">
+                <a:latin typeface="Courier New" panose="02070309020205020404" pitchFamily="49" charset="0"/>
+                <a:cs typeface="Courier New" panose="02070309020205020404" pitchFamily="49" charset="0"/>
+              </a:rPr>
+            </a:br>
+            <a:r>
+              <a:rPr lang="en-US" sz="2000" dirty="0">
+                <a:latin typeface="Courier New" panose="02070309020205020404" pitchFamily="49" charset="0"/>
+                <a:cs typeface="Courier New" panose="02070309020205020404" pitchFamily="49" charset="0"/>
+              </a:rPr>
+              <a:t>    </a:t>
+            </a:r>
+            <a:r>
+              <a:rPr lang="en-US" sz="2000" dirty="0" err="1">
+                <a:latin typeface="Courier New" panose="02070309020205020404" pitchFamily="49" charset="0"/>
+                <a:cs typeface="Courier New" panose="02070309020205020404" pitchFamily="49" charset="0"/>
+              </a:rPr>
+              <a:t>simp</a:t>
+            </a:r>
+            <a:r>
+              <a:rPr lang="en-US" sz="2000" dirty="0">
+                <a:latin typeface="Courier New" panose="02070309020205020404" pitchFamily="49" charset="0"/>
+                <a:cs typeface="Courier New" panose="02070309020205020404" pitchFamily="49" charset="0"/>
+              </a:rPr>
+              <a:t> [</a:t>
+            </a:r>
+            <a:r>
+              <a:rPr lang="en-US" sz="2000" dirty="0" err="1">
+                <a:latin typeface="Courier New" panose="02070309020205020404" pitchFamily="49" charset="0"/>
+                <a:cs typeface="Courier New" panose="02070309020205020404" pitchFamily="49" charset="0"/>
+              </a:rPr>
+              <a:t>add_mynat</a:t>
+            </a:r>
+            <a:r>
+              <a:rPr lang="en-US" sz="2000" dirty="0">
+                <a:latin typeface="Courier New" panose="02070309020205020404" pitchFamily="49" charset="0"/>
+                <a:cs typeface="Courier New" panose="02070309020205020404" pitchFamily="49" charset="0"/>
+              </a:rPr>
+              <a:t>],</a:t>
+            </a:r>
+            <a:br>
+              <a:rPr lang="en-US" sz="2000" dirty="0">
+                <a:latin typeface="Courier New" panose="02070309020205020404" pitchFamily="49" charset="0"/>
+                <a:cs typeface="Courier New" panose="02070309020205020404" pitchFamily="49" charset="0"/>
+              </a:rPr>
+            </a:br>
+            <a:r>
+              <a:rPr lang="en-US" sz="2000" dirty="0">
+                <a:latin typeface="Courier New" panose="02070309020205020404" pitchFamily="49" charset="0"/>
+                <a:cs typeface="Courier New" panose="02070309020205020404" pitchFamily="49" charset="0"/>
+              </a:rPr>
+              <a:t>    </a:t>
+            </a:r>
+            <a:r>
+              <a:rPr lang="en-US" sz="2000" dirty="0" err="1">
+                <a:latin typeface="Courier New" panose="02070309020205020404" pitchFamily="49" charset="0"/>
+                <a:cs typeface="Courier New" panose="02070309020205020404" pitchFamily="49" charset="0"/>
+              </a:rPr>
+              <a:t>rw</a:t>
+            </a:r>
+            <a:r>
+              <a:rPr lang="en-US" sz="2000" dirty="0">
+                <a:latin typeface="Courier New" panose="02070309020205020404" pitchFamily="49" charset="0"/>
+                <a:cs typeface="Courier New" panose="02070309020205020404" pitchFamily="49" charset="0"/>
+              </a:rPr>
+              <a:t> </a:t>
+            </a:r>
+            <a:r>
+              <a:rPr lang="en-US" sz="2000" dirty="0" err="1">
+                <a:latin typeface="Courier New" panose="02070309020205020404" pitchFamily="49" charset="0"/>
+                <a:cs typeface="Courier New" panose="02070309020205020404" pitchFamily="49" charset="0"/>
+              </a:rPr>
+              <a:t>add_n_succ_m</a:t>
+            </a:r>
+            <a:r>
+              <a:rPr lang="en-US" sz="2000" dirty="0">
+                <a:latin typeface="Courier New" panose="02070309020205020404" pitchFamily="49" charset="0"/>
+                <a:cs typeface="Courier New" panose="02070309020205020404" pitchFamily="49" charset="0"/>
+              </a:rPr>
+              <a:t>,</a:t>
+            </a:r>
+            <a:br>
+              <a:rPr lang="en-US" sz="2000" dirty="0">
+                <a:latin typeface="Courier New" panose="02070309020205020404" pitchFamily="49" charset="0"/>
+                <a:cs typeface="Courier New" panose="02070309020205020404" pitchFamily="49" charset="0"/>
+              </a:rPr>
+            </a:br>
+            <a:r>
+              <a:rPr lang="en-US" sz="2000" dirty="0">
+                <a:latin typeface="Courier New" panose="02070309020205020404" pitchFamily="49" charset="0"/>
+                <a:cs typeface="Courier New" panose="02070309020205020404" pitchFamily="49" charset="0"/>
+              </a:rPr>
+              <a:t>    -- rewrite using induction hypothesis!</a:t>
+            </a:r>
+            <a:br>
+              <a:rPr lang="en-US" sz="2000" dirty="0">
+                <a:latin typeface="Courier New" panose="02070309020205020404" pitchFamily="49" charset="0"/>
+                <a:cs typeface="Courier New" panose="02070309020205020404" pitchFamily="49" charset="0"/>
+              </a:rPr>
+            </a:br>
+            <a:r>
+              <a:rPr lang="en-US" sz="2000" dirty="0">
+                <a:latin typeface="Courier New" panose="02070309020205020404" pitchFamily="49" charset="0"/>
+                <a:cs typeface="Courier New" panose="02070309020205020404" pitchFamily="49" charset="0"/>
+              </a:rPr>
+              <a:t>    </a:t>
+            </a:r>
+            <a:r>
+              <a:rPr lang="en-US" sz="2000" dirty="0" err="1">
+                <a:latin typeface="Courier New" panose="02070309020205020404" pitchFamily="49" charset="0"/>
+                <a:cs typeface="Courier New" panose="02070309020205020404" pitchFamily="49" charset="0"/>
+              </a:rPr>
+              <a:t>rw</a:t>
+            </a:r>
+            <a:r>
+              <a:rPr lang="en-US" sz="2000" dirty="0">
+                <a:latin typeface="Courier New" panose="02070309020205020404" pitchFamily="49" charset="0"/>
+                <a:cs typeface="Courier New" panose="02070309020205020404" pitchFamily="49" charset="0"/>
+              </a:rPr>
+              <a:t> h,</a:t>
+            </a:r>
+            <a:br>
+              <a:rPr lang="en-US" sz="2000" dirty="0">
+                <a:latin typeface="Courier New" panose="02070309020205020404" pitchFamily="49" charset="0"/>
+                <a:cs typeface="Courier New" panose="02070309020205020404" pitchFamily="49" charset="0"/>
+              </a:rPr>
+            </a:br>
+            <a:r>
+              <a:rPr lang="en-US" sz="2000" dirty="0">
+                <a:latin typeface="Courier New" panose="02070309020205020404" pitchFamily="49" charset="0"/>
+                <a:cs typeface="Courier New" panose="02070309020205020404" pitchFamily="49" charset="0"/>
+              </a:rPr>
+              <a:t>end</a:t>
+            </a:r>
+          </a:p>
+        </p:txBody>
+      </p:sp>
+      <p:sp>
+        <p:nvSpPr>
+          <p:cNvPr id="4" name="Slide Number Placeholder 3">
+            <a:extLst>
+              <a:ext uri="{FF2B5EF4-FFF2-40B4-BE49-F238E27FC236}">
+                <a16:creationId xmlns:a16="http://schemas.microsoft.com/office/drawing/2014/main" id="{B46D283E-5BBE-1C43-B6D8-EF16545B855C}"/>
+              </a:ext>
+            </a:extLst>
+          </p:cNvPr>
+          <p:cNvSpPr>
+            <a:spLocks noGrp="1"/>
+          </p:cNvSpPr>
+          <p:nvPr>
+            <p:ph type="sldNum" sz="quarter" idx="12"/>
+          </p:nvPr>
+        </p:nvSpPr>
+        <p:spPr/>
+        <p:txBody>
+          <a:bodyPr/>
+          <a:lstStyle/>
+          <a:p>
+            <a:fld id="{3352CBF5-17B8-4387-88A6-ABF9F8C64D5A}" type="slidenum">
+              <a:rPr lang="en-US" smtClean="0"/>
+              <a:t>15</a:t>
+            </a:fld>
+            <a:endParaRPr lang="en-US"/>
+          </a:p>
+        </p:txBody>
+      </p:sp>
+    </p:spTree>
+    <p:extLst>
+      <p:ext uri="{BB962C8B-B14F-4D97-AF65-F5344CB8AC3E}">
+        <p14:creationId xmlns:p14="http://schemas.microsoft.com/office/powerpoint/2010/main" val="852998773"/>
+      </p:ext>
+    </p:extLst>
+  </p:cSld>
+  <p:clrMapOvr>
+    <a:masterClrMapping/>
+  </p:clrMapOvr>
+</p:sld>
+</file>
+
+<file path=ppt/slides/slide16.xml><?xml version="1.0" encoding="utf-8"?>
+<p:sld xmlns:a="http://schemas.openxmlformats.org/drawingml/2006/main" xmlns:r="http://schemas.openxmlformats.org/officeDocument/2006/relationships" xmlns:p="http://schemas.openxmlformats.org/presentationml/2006/main">
+  <p:cSld>
+    <p:bg>
+      <p:bgPr>
+        <a:solidFill>
+          <a:schemeClr val="bg1"/>
+        </a:solidFill>
+        <a:effectLst/>
+      </p:bgPr>
+    </p:bg>
+    <p:spTree>
+      <p:nvGrpSpPr>
+        <p:cNvPr id="1" name=""/>
+        <p:cNvGrpSpPr/>
+        <p:nvPr/>
+      </p:nvGrpSpPr>
+      <p:grpSpPr>
+        <a:xfrm>
+          <a:off x="0" y="0"/>
+          <a:ext cx="0" cy="0"/>
+          <a:chOff x="0" y="0"/>
+          <a:chExt cx="0" cy="0"/>
+        </a:xfrm>
+      </p:grpSpPr>
+      <p:sp useBgFill="1">
+        <p:nvSpPr>
+          <p:cNvPr id="9" name="Rectangle 8">
+            <a:extLst>
+              <a:ext uri="{FF2B5EF4-FFF2-40B4-BE49-F238E27FC236}">
+                <a16:creationId xmlns:a16="http://schemas.microsoft.com/office/drawing/2014/main" id="{3B854194-185D-494D-905C-7C7CB2E30F6E}"/>
+              </a:ext>
+              <a:ext uri="{C183D7F6-B498-43B3-948B-1728B52AA6E4}">
+                <adec:decorative xmlns:adec="http://schemas.microsoft.com/office/drawing/2017/decorative" val="1"/>
+              </a:ext>
+            </a:extLst>
+          </p:cNvPr>
+          <p:cNvSpPr>
+            <a:spLocks noGrp="1" noRot="1" noChangeAspect="1" noMove="1" noResize="1" noEditPoints="1" noAdjustHandles="1" noChangeArrowheads="1" noChangeShapeType="1" noTextEdit="1"/>
+          </p:cNvSpPr>
+          <p:nvPr>
+            <p:extLst>
+              <p:ext uri="{386F3935-93C4-4BCD-93E2-E3B085C9AB24}">
+                <p16:designElem xmlns:p16="http://schemas.microsoft.com/office/powerpoint/2015/main" val="1"/>
+              </p:ext>
+            </p:extLst>
+          </p:nvPr>
+        </p:nvSpPr>
+        <p:spPr>
+          <a:xfrm>
+            <a:off x="1" y="0"/>
+            <a:ext cx="6082110" cy="6858000"/>
+          </a:xfrm>
+          <a:prstGeom prst="rect">
+            <a:avLst/>
+          </a:prstGeom>
+          <a:ln>
+            <a:noFill/>
+          </a:ln>
+        </p:spPr>
+        <p:style>
+          <a:lnRef idx="2">
+            <a:schemeClr val="accent1">
+              <a:shade val="50000"/>
+            </a:schemeClr>
+          </a:lnRef>
+          <a:fillRef idx="1">
+            <a:schemeClr val="accent1"/>
+          </a:fillRef>
+          <a:effectRef idx="0">
+            <a:schemeClr val="accent1"/>
+          </a:effectRef>
+          <a:fontRef idx="minor">
+            <a:schemeClr val="lt1"/>
+          </a:fontRef>
+        </p:style>
+        <p:txBody>
+          <a:bodyPr rtlCol="0" anchor="ctr"/>
+          <a:lstStyle/>
+          <a:p>
+            <a:pPr algn="ctr"/>
+            <a:endParaRPr lang="en-US"/>
+          </a:p>
+        </p:txBody>
+      </p:sp>
+      <p:sp>
+        <p:nvSpPr>
+          <p:cNvPr id="11" name="Rectangle 10">
+            <a:extLst>
+              <a:ext uri="{FF2B5EF4-FFF2-40B4-BE49-F238E27FC236}">
+                <a16:creationId xmlns:a16="http://schemas.microsoft.com/office/drawing/2014/main" id="{B4F5FA0D-0104-4987-8241-EFF7C85B88DE}"/>
+              </a:ext>
+              <a:ext uri="{C183D7F6-B498-43B3-948B-1728B52AA6E4}">
+                <adec:decorative xmlns:adec="http://schemas.microsoft.com/office/drawing/2017/decorative" val="1"/>
+              </a:ext>
+            </a:extLst>
+          </p:cNvPr>
+          <p:cNvSpPr>
+            <a:spLocks noGrp="1" noRot="1" noChangeAspect="1" noMove="1" noResize="1" noEditPoints="1" noAdjustHandles="1" noChangeArrowheads="1" noChangeShapeType="1" noTextEdit="1"/>
+          </p:cNvSpPr>
+          <p:nvPr>
+            <p:extLst>
+              <p:ext uri="{386F3935-93C4-4BCD-93E2-E3B085C9AB24}">
+                <p16:designElem xmlns:p16="http://schemas.microsoft.com/office/powerpoint/2015/main" val="1"/>
+              </p:ext>
+            </p:extLst>
+          </p:nvPr>
+        </p:nvSpPr>
+        <p:spPr>
+          <a:xfrm>
+            <a:off x="1" y="0"/>
+            <a:ext cx="12191998" cy="6858000"/>
+          </a:xfrm>
+          <a:prstGeom prst="rect">
+            <a:avLst/>
+          </a:prstGeom>
+          <a:gradFill>
+            <a:gsLst>
+              <a:gs pos="0">
+                <a:schemeClr val="accent1">
+                  <a:lumMod val="90000"/>
+                </a:schemeClr>
+              </a:gs>
+              <a:gs pos="25000">
+                <a:schemeClr val="accent1">
+                  <a:lumMod val="90000"/>
+                </a:schemeClr>
+              </a:gs>
+              <a:gs pos="94000">
+                <a:schemeClr val="bg2">
+                  <a:lumMod val="25000"/>
+                </a:schemeClr>
+              </a:gs>
+              <a:gs pos="100000">
+                <a:schemeClr val="bg2">
+                  <a:lumMod val="25000"/>
+                </a:schemeClr>
+              </a:gs>
+            </a:gsLst>
+            <a:lin ang="4200000" scaled="0"/>
+          </a:gradFill>
+          <a:ln>
+            <a:noFill/>
+          </a:ln>
+        </p:spPr>
+        <p:style>
+          <a:lnRef idx="2">
+            <a:schemeClr val="accent1">
+              <a:shade val="50000"/>
+            </a:schemeClr>
+          </a:lnRef>
+          <a:fillRef idx="1">
+            <a:schemeClr val="accent1"/>
+          </a:fillRef>
+          <a:effectRef idx="0">
+            <a:schemeClr val="accent1"/>
+          </a:effectRef>
+          <a:fontRef idx="minor">
+            <a:schemeClr val="lt1"/>
+          </a:fontRef>
+        </p:style>
+        <p:txBody>
+          <a:bodyPr rtlCol="0" anchor="ctr"/>
+          <a:lstStyle/>
+          <a:p>
+            <a:pPr algn="ctr"/>
+            <a:endParaRPr lang="en-US"/>
+          </a:p>
+        </p:txBody>
+      </p:sp>
+      <p:pic>
+        <p:nvPicPr>
+          <p:cNvPr id="13" name="Picture 12">
+            <a:extLst>
+              <a:ext uri="{FF2B5EF4-FFF2-40B4-BE49-F238E27FC236}">
+                <a16:creationId xmlns:a16="http://schemas.microsoft.com/office/drawing/2014/main" id="{2897127E-6CEF-446C-BE87-93B7C46E49D1}"/>
+              </a:ext>
+              <a:ext uri="{C183D7F6-B498-43B3-948B-1728B52AA6E4}">
+                <adec:decorative xmlns:adec="http://schemas.microsoft.com/office/drawing/2017/decorative" val="1"/>
+              </a:ext>
+            </a:extLst>
+          </p:cNvPr>
+          <p:cNvPicPr>
+            <a:picLocks noGrp="1" noRot="1" noChangeAspect="1" noMove="1" noResize="1" noEditPoints="1" noAdjustHandles="1" noChangeArrowheads="1" noChangeShapeType="1" noCrop="1"/>
+          </p:cNvPicPr>
+          <p:nvPr>
+            <p:extLst>
+              <p:ext uri="{386F3935-93C4-4BCD-93E2-E3B085C9AB24}">
+                <p16:designElem xmlns:p16="http://schemas.microsoft.com/office/powerpoint/2015/main" val="1"/>
+              </p:ext>
+            </p:extLst>
+          </p:nvPr>
+        </p:nvPicPr>
+        <p:blipFill>
+          <a:blip r:embed="rId2">
+            <a:extLst>
+              <a:ext uri="{28A0092B-C50C-407E-A947-70E740481C1C}">
+                <a14:useLocalDpi xmlns:a14="http://schemas.microsoft.com/office/drawing/2010/main" val="0"/>
+              </a:ext>
+            </a:extLst>
+          </a:blip>
+          <a:stretch>
+            <a:fillRect/>
+          </a:stretch>
+        </p:blipFill>
+        <p:spPr>
+          <a:xfrm>
+            <a:off x="0" y="0"/>
+            <a:ext cx="12192000" cy="6858000"/>
+          </a:xfrm>
+          <a:prstGeom prst="rect">
+            <a:avLst/>
+          </a:prstGeom>
+        </p:spPr>
+      </p:pic>
+      <p:sp>
+        <p:nvSpPr>
+          <p:cNvPr id="2" name="Title 1"/>
+          <p:cNvSpPr>
+            <a:spLocks noGrp="1"/>
+          </p:cNvSpPr>
+          <p:nvPr>
+            <p:ph type="title"/>
+          </p:nvPr>
+        </p:nvSpPr>
+        <p:spPr>
+          <a:xfrm>
+            <a:off x="640079" y="2053641"/>
+            <a:ext cx="3669161" cy="2760098"/>
+          </a:xfrm>
+        </p:spPr>
+        <p:txBody>
+          <a:bodyPr>
+            <a:normAutofit/>
+          </a:bodyPr>
+          <a:lstStyle/>
+          <a:p>
+            <a:r>
+              <a:rPr lang="en-US">
+                <a:solidFill>
+                  <a:srgbClr val="FFFFFF"/>
+                </a:solidFill>
+              </a:rPr>
+              <a:t>Fin</a:t>
+            </a:r>
+          </a:p>
+        </p:txBody>
+      </p:sp>
+      <p:sp>
+        <p:nvSpPr>
+          <p:cNvPr id="3" name="Slide Number Placeholder 2">
+            <a:extLst>
+              <a:ext uri="{FF2B5EF4-FFF2-40B4-BE49-F238E27FC236}">
+                <a16:creationId xmlns:a16="http://schemas.microsoft.com/office/drawing/2014/main" id="{44CF5CC1-6533-6043-9D5F-346506703E3A}"/>
+              </a:ext>
+            </a:extLst>
+          </p:cNvPr>
+          <p:cNvSpPr>
+            <a:spLocks noGrp="1"/>
+          </p:cNvSpPr>
+          <p:nvPr>
+            <p:ph type="sldNum" sz="quarter" idx="12"/>
+          </p:nvPr>
+        </p:nvSpPr>
+        <p:spPr/>
+        <p:txBody>
+          <a:bodyPr/>
+          <a:lstStyle/>
+          <a:p>
+            <a:fld id="{3352CBF5-17B8-4387-88A6-ABF9F8C64D5A}" type="slidenum">
+              <a:rPr lang="en-US" smtClean="0"/>
+              <a:t>16</a:t>
+            </a:fld>
+            <a:endParaRPr lang="en-US"/>
+          </a:p>
+        </p:txBody>
+      </p:sp>
+    </p:spTree>
+    <p:extLst>
+      <p:ext uri="{BB962C8B-B14F-4D97-AF65-F5344CB8AC3E}">
+        <p14:creationId xmlns:p14="http://schemas.microsoft.com/office/powerpoint/2010/main" val="628979899"/>
+      </p:ext>
+    </p:extLst>
+  </p:cSld>
+  <p:clrMapOvr>
+    <a:masterClrMapping/>
+  </p:clrMapOvr>
+</p:sld>
+</file>
+
 <file path=ppt/slides/slide2.xml><?xml version="1.0" encoding="utf-8"?>
 <p:sld xmlns:a="http://schemas.openxmlformats.org/drawingml/2006/main" xmlns:r="http://schemas.openxmlformats.org/officeDocument/2006/relationships" xmlns:p="http://schemas.openxmlformats.org/presentationml/2006/main">
   <p:cSld>
@@ -3568,8 +6486,8 @@
           </a:p>
         </p:txBody>
       </p:sp>
-      <mc:AlternateContent xmlns:mc="http://schemas.openxmlformats.org/markup-compatibility/2006">
-        <mc:Choice xmlns:a14="http://schemas.microsoft.com/office/drawing/2010/main" Requires="a14">
+      <mc:AlternateContent xmlns:mc="http://schemas.openxmlformats.org/markup-compatibility/2006" xmlns:a14="http://schemas.microsoft.com/office/drawing/2010/main">
+        <mc:Choice Requires="a14">
           <p:sp>
             <p:nvSpPr>
               <p:cNvPr id="3" name="Content Placeholder 2">
@@ -3739,7 +6657,14 @@
                                   <a:latin typeface="Cambria Math" panose="02040503050406030204" pitchFamily="18" charset="0"/>
                                   <a:cs typeface="Courier New" panose="02070309020205020404" pitchFamily="49" charset="0"/>
                                 </a:rPr>
-                                <m:t>𝑛𝐹𝑎𝑐𝑡𝑜𝑟𝑖𝑎𝑙</m:t>
+                                <m:t>𝑛</m:t>
+                              </m:r>
+                              <m:r>
+                                <a:rPr lang="en-US" b="0" i="1" smtClean="0">
+                                  <a:latin typeface="Cambria Math" panose="02040503050406030204" pitchFamily="18" charset="0"/>
+                                  <a:cs typeface="Courier New" panose="02070309020205020404" pitchFamily="49" charset="0"/>
+                                </a:rPr>
+                                <m:t>𝐹𝑎𝑐𝑡𝑜𝑟𝑖𝑎𝑙</m:t>
                               </m:r>
                               <m:r>
                                 <a:rPr lang="en-US" b="0" i="1" smtClean="0">
@@ -3872,7 +6797,7 @@
             </p:txBody>
           </p:sp>
         </mc:Choice>
-        <mc:Fallback>
+        <mc:Fallback xmlns="">
           <p:sp>
             <p:nvSpPr>
               <p:cNvPr id="3" name="Content Placeholder 2">
@@ -4498,8 +7423,8 @@
           </a:p>
         </p:txBody>
       </p:sp>
-      <mc:AlternateContent xmlns:mc="http://schemas.openxmlformats.org/markup-compatibility/2006">
-        <mc:Choice xmlns:a14="http://schemas.microsoft.com/office/drawing/2010/main" Requires="a14">
+      <mc:AlternateContent xmlns:mc="http://schemas.openxmlformats.org/markup-compatibility/2006" xmlns:a14="http://schemas.microsoft.com/office/drawing/2010/main">
+        <mc:Choice Requires="a14">
           <p:sp>
             <p:nvSpPr>
               <p:cNvPr id="3" name="Content Placeholder 2">
@@ -4595,7 +7520,13 @@
                                 <a:rPr lang="en-US" b="0" i="1" smtClean="0">
                                   <a:latin typeface="Cambria Math" panose="02040503050406030204" pitchFamily="18" charset="0"/>
                                 </a:rPr>
-                                <m:t>𝐹𝑖𝑏</m:t>
+                                <m:t>𝐹</m:t>
+                              </m:r>
+                              <m:r>
+                                <a:rPr lang="en-US" b="0" i="1" smtClean="0">
+                                  <a:latin typeface="Cambria Math" panose="02040503050406030204" pitchFamily="18" charset="0"/>
+                                </a:rPr>
+                                <m:t>𝑖𝑏</m:t>
                               </m:r>
                               <m:d>
                                 <m:dPr>
@@ -5036,7 +7967,13 @@
                                 <a:rPr lang="en-US" b="0" i="1" smtClean="0">
                                   <a:latin typeface="Cambria Math" panose="02040503050406030204" pitchFamily="18" charset="0"/>
                                 </a:rPr>
-                                <m:t>𝑠𝑢𝑐𝑐</m:t>
+                                <m:t>𝑠</m:t>
+                              </m:r>
+                              <m:r>
+                                <a:rPr lang="en-US" b="0" i="1" smtClean="0">
+                                  <a:latin typeface="Cambria Math" panose="02040503050406030204" pitchFamily="18" charset="0"/>
+                                </a:rPr>
+                                <m:t>𝑢𝑐𝑐</m:t>
                               </m:r>
                               <m:r>
                                 <a:rPr lang="en-US" b="0" i="1" smtClean="0">
@@ -5177,7 +8114,7 @@
             </p:txBody>
           </p:sp>
         </mc:Choice>
-        <mc:Fallback>
+        <mc:Fallback xmlns="">
           <p:sp>
             <p:nvSpPr>
               <p:cNvPr id="3" name="Content Placeholder 2">
@@ -5536,7 +8473,7 @@
           <a:p>
             <a:r>
               <a:rPr lang="en-US" dirty="0"/>
-              <a:t>Definition of the booleans</a:t>
+              <a:t>Definition of the booleans — see Lean file</a:t>
             </a:r>
           </a:p>
         </p:txBody>
@@ -5651,7 +8588,7 @@
           <a:p>
             <a:r>
               <a:rPr lang="en-US" dirty="0"/>
-              <a:t>An inductive definition of the natural numbers</a:t>
+              <a:t>An inductive definition of the natural numbers — see Lean file</a:t>
             </a:r>
           </a:p>
         </p:txBody>
@@ -5701,14 +8638,6 @@
 <file path=ppt/slides/slide7.xml><?xml version="1.0" encoding="utf-8"?>
 <p:sld xmlns:a="http://schemas.openxmlformats.org/drawingml/2006/main" xmlns:r="http://schemas.openxmlformats.org/officeDocument/2006/relationships" xmlns:p="http://schemas.openxmlformats.org/presentationml/2006/main">
   <p:cSld>
-    <p:bg>
-      <p:bgPr>
-        <a:solidFill>
-          <a:schemeClr val="bg1"/>
-        </a:solidFill>
-        <a:effectLst/>
-      </p:bgPr>
-    </p:bg>
     <p:spTree>
       <p:nvGrpSpPr>
         <p:cNvPr id="1" name=""/>
@@ -5723,235 +8652,323 @@
           <a:chExt cx="0" cy="0"/>
         </a:xfrm>
       </p:grpSpPr>
-      <p:sp useBgFill="1">
-        <p:nvSpPr>
-          <p:cNvPr id="9" name="Rectangle 8">
+      <p:sp>
+        <p:nvSpPr>
+          <p:cNvPr id="2" name="Title 1">
             <a:extLst>
               <a:ext uri="{FF2B5EF4-FFF2-40B4-BE49-F238E27FC236}">
-                <a16:creationId xmlns:a16="http://schemas.microsoft.com/office/drawing/2014/main" id="{3B854194-185D-494D-905C-7C7CB2E30F6E}"/>
-              </a:ext>
-              <a:ext uri="{C183D7F6-B498-43B3-948B-1728B52AA6E4}">
-                <adec:decorative xmlns:adec="http://schemas.microsoft.com/office/drawing/2017/decorative" val="1"/>
+                <a16:creationId xmlns:a16="http://schemas.microsoft.com/office/drawing/2014/main" id="{9BEAB631-C6B4-FD47-A9CF-25C0B91F1879}"/>
               </a:ext>
             </a:extLst>
           </p:cNvPr>
           <p:cNvSpPr>
-            <a:spLocks noGrp="1" noRot="1" noChangeAspect="1" noMove="1" noResize="1" noEditPoints="1" noAdjustHandles="1" noChangeArrowheads="1" noChangeShapeType="1" noTextEdit="1"/>
-          </p:cNvSpPr>
-          <p:nvPr>
-            <p:extLst>
-              <p:ext uri="{386F3935-93C4-4BCD-93E2-E3B085C9AB24}">
-                <p16:designElem xmlns:p16="http://schemas.microsoft.com/office/powerpoint/2015/main" val="1"/>
-              </p:ext>
-            </p:extLst>
-          </p:nvPr>
-        </p:nvSpPr>
-        <p:spPr>
-          <a:xfrm>
-            <a:off x="1" y="0"/>
-            <a:ext cx="6082110" cy="6858000"/>
-          </a:xfrm>
-          <a:prstGeom prst="rect">
-            <a:avLst/>
-          </a:prstGeom>
-          <a:ln>
-            <a:noFill/>
-          </a:ln>
-        </p:spPr>
-        <p:style>
-          <a:lnRef idx="2">
-            <a:schemeClr val="accent1">
-              <a:shade val="50000"/>
-            </a:schemeClr>
-          </a:lnRef>
-          <a:fillRef idx="1">
-            <a:schemeClr val="accent1"/>
-          </a:fillRef>
-          <a:effectRef idx="0">
-            <a:schemeClr val="accent1"/>
-          </a:effectRef>
-          <a:fontRef idx="minor">
-            <a:schemeClr val="lt1"/>
-          </a:fontRef>
-        </p:style>
-        <p:txBody>
-          <a:bodyPr rtlCol="0" anchor="ctr"/>
+            <a:spLocks noGrp="1"/>
+          </p:cNvSpPr>
+          <p:nvPr>
+            <p:ph type="title"/>
+          </p:nvPr>
+        </p:nvSpPr>
+        <p:spPr/>
+        <p:txBody>
+          <a:bodyPr/>
           <a:lstStyle/>
           <a:p>
-            <a:pPr algn="ctr"/>
-            <a:endParaRPr lang="en-US"/>
-          </a:p>
-        </p:txBody>
-      </p:sp>
-      <p:sp>
-        <p:nvSpPr>
-          <p:cNvPr id="11" name="Rectangle 10">
+            <a:r>
+              <a:rPr lang="en-US" dirty="0"/>
+              <a:t>Definition</a:t>
+            </a:r>
+          </a:p>
+        </p:txBody>
+      </p:sp>
+      <p:sp>
+        <p:nvSpPr>
+          <p:cNvPr id="3" name="Content Placeholder 2">
             <a:extLst>
               <a:ext uri="{FF2B5EF4-FFF2-40B4-BE49-F238E27FC236}">
-                <a16:creationId xmlns:a16="http://schemas.microsoft.com/office/drawing/2014/main" id="{B4F5FA0D-0104-4987-8241-EFF7C85B88DE}"/>
-              </a:ext>
-              <a:ext uri="{C183D7F6-B498-43B3-948B-1728B52AA6E4}">
-                <adec:decorative xmlns:adec="http://schemas.microsoft.com/office/drawing/2017/decorative" val="1"/>
+                <a16:creationId xmlns:a16="http://schemas.microsoft.com/office/drawing/2014/main" id="{ED5D0F01-E5DC-4246-8395-6172B30460D8}"/>
               </a:ext>
             </a:extLst>
           </p:cNvPr>
           <p:cNvSpPr>
-            <a:spLocks noGrp="1" noRot="1" noChangeAspect="1" noMove="1" noResize="1" noEditPoints="1" noAdjustHandles="1" noChangeArrowheads="1" noChangeShapeType="1" noTextEdit="1"/>
-          </p:cNvSpPr>
-          <p:nvPr>
-            <p:extLst>
-              <p:ext uri="{386F3935-93C4-4BCD-93E2-E3B085C9AB24}">
-                <p16:designElem xmlns:p16="http://schemas.microsoft.com/office/powerpoint/2015/main" val="1"/>
-              </p:ext>
-            </p:extLst>
-          </p:nvPr>
-        </p:nvSpPr>
-        <p:spPr>
-          <a:xfrm>
-            <a:off x="1" y="0"/>
-            <a:ext cx="12191998" cy="6858000"/>
-          </a:xfrm>
-          <a:prstGeom prst="rect">
-            <a:avLst/>
-          </a:prstGeom>
-          <a:gradFill>
-            <a:gsLst>
-              <a:gs pos="0">
-                <a:schemeClr val="accent1">
-                  <a:lumMod val="90000"/>
-                </a:schemeClr>
-              </a:gs>
-              <a:gs pos="25000">
-                <a:schemeClr val="accent1">
-                  <a:lumMod val="90000"/>
-                </a:schemeClr>
-              </a:gs>
-              <a:gs pos="94000">
-                <a:schemeClr val="bg2">
-                  <a:lumMod val="25000"/>
-                </a:schemeClr>
-              </a:gs>
-              <a:gs pos="100000">
-                <a:schemeClr val="bg2">
-                  <a:lumMod val="25000"/>
-                </a:schemeClr>
-              </a:gs>
-            </a:gsLst>
-            <a:lin ang="4200000" scaled="0"/>
-          </a:gradFill>
-          <a:ln>
-            <a:noFill/>
-          </a:ln>
-        </p:spPr>
-        <p:style>
-          <a:lnRef idx="2">
-            <a:schemeClr val="accent1">
-              <a:shade val="50000"/>
-            </a:schemeClr>
-          </a:lnRef>
-          <a:fillRef idx="1">
-            <a:schemeClr val="accent1"/>
-          </a:fillRef>
-          <a:effectRef idx="0">
-            <a:schemeClr val="accent1"/>
-          </a:effectRef>
-          <a:fontRef idx="minor">
-            <a:schemeClr val="lt1"/>
-          </a:fontRef>
-        </p:style>
-        <p:txBody>
-          <a:bodyPr rtlCol="0" anchor="ctr"/>
+            <a:spLocks noGrp="1"/>
+          </p:cNvSpPr>
+          <p:nvPr>
+            <p:ph idx="1"/>
+          </p:nvPr>
+        </p:nvSpPr>
+        <p:spPr/>
+        <p:txBody>
+          <a:bodyPr>
+            <a:normAutofit fontScale="92500" lnSpcReduction="10000"/>
+          </a:bodyPr>
           <a:lstStyle/>
           <a:p>
-            <a:pPr algn="ctr"/>
-            <a:endParaRPr lang="en-US"/>
-          </a:p>
-        </p:txBody>
-      </p:sp>
-      <p:pic>
-        <p:nvPicPr>
-          <p:cNvPr id="13" name="Picture 12">
+            <a:pPr marL="0" indent="0">
+              <a:buNone/>
+            </a:pPr>
+            <a:r>
+              <a:rPr lang="en-US" sz="2400" dirty="0">
+                <a:latin typeface="Courier New" panose="02070309020205020404" pitchFamily="49" charset="0"/>
+                <a:cs typeface="Courier New" panose="02070309020205020404" pitchFamily="49" charset="0"/>
+              </a:rPr>
+              <a:t>inductive </a:t>
+            </a:r>
+            <a:r>
+              <a:rPr lang="en-US" sz="2400" dirty="0" err="1">
+                <a:latin typeface="Courier New" panose="02070309020205020404" pitchFamily="49" charset="0"/>
+                <a:cs typeface="Courier New" panose="02070309020205020404" pitchFamily="49" charset="0"/>
+              </a:rPr>
+              <a:t>mynat</a:t>
+            </a:r>
+            <a:r>
+              <a:rPr lang="en-US" sz="2400" dirty="0">
+                <a:latin typeface="Courier New" panose="02070309020205020404" pitchFamily="49" charset="0"/>
+                <a:cs typeface="Courier New" panose="02070309020205020404" pitchFamily="49" charset="0"/>
+              </a:rPr>
+              <a:t> : Type </a:t>
+            </a:r>
+          </a:p>
+          <a:p>
+            <a:pPr marL="0" indent="0">
+              <a:buNone/>
+            </a:pPr>
+            <a:r>
+              <a:rPr lang="en-US" sz="2400" dirty="0">
+                <a:latin typeface="Courier New" panose="02070309020205020404" pitchFamily="49" charset="0"/>
+                <a:cs typeface="Courier New" panose="02070309020205020404" pitchFamily="49" charset="0"/>
+              </a:rPr>
+              <a:t>| zero : </a:t>
+            </a:r>
+            <a:r>
+              <a:rPr lang="en-US" sz="2400" dirty="0" err="1">
+                <a:latin typeface="Courier New" panose="02070309020205020404" pitchFamily="49" charset="0"/>
+                <a:cs typeface="Courier New" panose="02070309020205020404" pitchFamily="49" charset="0"/>
+              </a:rPr>
+              <a:t>mynat</a:t>
+            </a:r>
+            <a:endParaRPr lang="en-US" sz="2400" dirty="0">
+              <a:latin typeface="Courier New" panose="02070309020205020404" pitchFamily="49" charset="0"/>
+              <a:cs typeface="Courier New" panose="02070309020205020404" pitchFamily="49" charset="0"/>
+            </a:endParaRPr>
+          </a:p>
+          <a:p>
+            <a:pPr marL="0" indent="0">
+              <a:buNone/>
+            </a:pPr>
+            <a:r>
+              <a:rPr lang="en-US" sz="2400" dirty="0">
+                <a:latin typeface="Courier New" panose="02070309020205020404" pitchFamily="49" charset="0"/>
+                <a:cs typeface="Courier New" panose="02070309020205020404" pitchFamily="49" charset="0"/>
+              </a:rPr>
+              <a:t>| </a:t>
+            </a:r>
+            <a:r>
+              <a:rPr lang="en-US" sz="2400" dirty="0" err="1">
+                <a:latin typeface="Courier New" panose="02070309020205020404" pitchFamily="49" charset="0"/>
+                <a:cs typeface="Courier New" panose="02070309020205020404" pitchFamily="49" charset="0"/>
+              </a:rPr>
+              <a:t>succ</a:t>
+            </a:r>
+            <a:r>
+              <a:rPr lang="en-US" sz="2400" dirty="0">
+                <a:latin typeface="Courier New" panose="02070309020205020404" pitchFamily="49" charset="0"/>
+                <a:cs typeface="Courier New" panose="02070309020205020404" pitchFamily="49" charset="0"/>
+              </a:rPr>
+              <a:t> : </a:t>
+            </a:r>
+            <a:r>
+              <a:rPr lang="en-US" sz="2400" dirty="0" err="1">
+                <a:latin typeface="Courier New" panose="02070309020205020404" pitchFamily="49" charset="0"/>
+                <a:cs typeface="Courier New" panose="02070309020205020404" pitchFamily="49" charset="0"/>
+              </a:rPr>
+              <a:t>mynat</a:t>
+            </a:r>
+            <a:r>
+              <a:rPr lang="en-US" sz="2400" dirty="0">
+                <a:latin typeface="Courier New" panose="02070309020205020404" pitchFamily="49" charset="0"/>
+                <a:cs typeface="Courier New" panose="02070309020205020404" pitchFamily="49" charset="0"/>
+              </a:rPr>
+              <a:t> → </a:t>
+            </a:r>
+            <a:r>
+              <a:rPr lang="en-US" sz="2400" dirty="0" err="1">
+                <a:latin typeface="Courier New" panose="02070309020205020404" pitchFamily="49" charset="0"/>
+                <a:cs typeface="Courier New" panose="02070309020205020404" pitchFamily="49" charset="0"/>
+              </a:rPr>
+              <a:t>mynat</a:t>
+            </a:r>
+            <a:endParaRPr lang="en-US" dirty="0"/>
+          </a:p>
+          <a:p>
+            <a:r>
+              <a:rPr lang="en-US" dirty="0"/>
+              <a:t>Base case: </a:t>
+            </a:r>
+            <a:r>
+              <a:rPr lang="en-US" dirty="0" err="1"/>
+              <a:t>mynat.zero</a:t>
+            </a:r>
+            <a:endParaRPr lang="en-US" dirty="0"/>
+          </a:p>
+          <a:p>
+            <a:r>
+              <a:rPr lang="en-US" dirty="0"/>
+              <a:t>Inductive case: </a:t>
+            </a:r>
+            <a:r>
+              <a:rPr lang="en-US" dirty="0" err="1"/>
+              <a:t>mynat.succ</a:t>
+            </a:r>
+            <a:endParaRPr lang="en-US" dirty="0"/>
+          </a:p>
+          <a:p>
+            <a:pPr marL="0" indent="0">
+              <a:buNone/>
+            </a:pPr>
+            <a:r>
+              <a:rPr lang="en-US" sz="2600" dirty="0">
+                <a:latin typeface="Courier New" panose="02070309020205020404" pitchFamily="49" charset="0"/>
+                <a:cs typeface="Courier New" panose="02070309020205020404" pitchFamily="49" charset="0"/>
+              </a:rPr>
+              <a:t>def zero := </a:t>
+            </a:r>
+            <a:r>
+              <a:rPr lang="en-US" sz="2600" dirty="0" err="1">
+                <a:latin typeface="Courier New" panose="02070309020205020404" pitchFamily="49" charset="0"/>
+                <a:cs typeface="Courier New" panose="02070309020205020404" pitchFamily="49" charset="0"/>
+              </a:rPr>
+              <a:t>mynat.zero</a:t>
+            </a:r>
+            <a:endParaRPr lang="en-US" sz="2600" dirty="0">
+              <a:latin typeface="Courier New" panose="02070309020205020404" pitchFamily="49" charset="0"/>
+              <a:cs typeface="Courier New" panose="02070309020205020404" pitchFamily="49" charset="0"/>
+            </a:endParaRPr>
+          </a:p>
+          <a:p>
+            <a:pPr marL="0" indent="0">
+              <a:buNone/>
+            </a:pPr>
+            <a:r>
+              <a:rPr lang="en-US" sz="2600" dirty="0">
+                <a:latin typeface="Courier New" panose="02070309020205020404" pitchFamily="49" charset="0"/>
+                <a:cs typeface="Courier New" panose="02070309020205020404" pitchFamily="49" charset="0"/>
+              </a:rPr>
+              <a:t>def one := </a:t>
+            </a:r>
+            <a:r>
+              <a:rPr lang="en-US" sz="2600" dirty="0" err="1">
+                <a:latin typeface="Courier New" panose="02070309020205020404" pitchFamily="49" charset="0"/>
+                <a:cs typeface="Courier New" panose="02070309020205020404" pitchFamily="49" charset="0"/>
+              </a:rPr>
+              <a:t>mynat.succ</a:t>
+            </a:r>
+            <a:r>
+              <a:rPr lang="en-US" sz="2600" dirty="0">
+                <a:latin typeface="Courier New" panose="02070309020205020404" pitchFamily="49" charset="0"/>
+                <a:cs typeface="Courier New" panose="02070309020205020404" pitchFamily="49" charset="0"/>
+              </a:rPr>
+              <a:t> zero</a:t>
+            </a:r>
+          </a:p>
+          <a:p>
+            <a:pPr marL="0" indent="0">
+              <a:buNone/>
+            </a:pPr>
+            <a:r>
+              <a:rPr lang="en-US" sz="2600" dirty="0">
+                <a:latin typeface="Courier New" panose="02070309020205020404" pitchFamily="49" charset="0"/>
+                <a:cs typeface="Courier New" panose="02070309020205020404" pitchFamily="49" charset="0"/>
+              </a:rPr>
+              <a:t>def two := </a:t>
+            </a:r>
+            <a:r>
+              <a:rPr lang="en-US" sz="2600" dirty="0" err="1">
+                <a:latin typeface="Courier New" panose="02070309020205020404" pitchFamily="49" charset="0"/>
+                <a:cs typeface="Courier New" panose="02070309020205020404" pitchFamily="49" charset="0"/>
+              </a:rPr>
+              <a:t>mynat.succ</a:t>
+            </a:r>
+            <a:r>
+              <a:rPr lang="en-US" sz="2600" dirty="0">
+                <a:latin typeface="Courier New" panose="02070309020205020404" pitchFamily="49" charset="0"/>
+                <a:cs typeface="Courier New" panose="02070309020205020404" pitchFamily="49" charset="0"/>
+              </a:rPr>
+              <a:t> one</a:t>
+            </a:r>
+            <a:br>
+              <a:rPr lang="en-US" sz="2600" dirty="0">
+                <a:latin typeface="Courier New" panose="02070309020205020404" pitchFamily="49" charset="0"/>
+                <a:cs typeface="Courier New" panose="02070309020205020404" pitchFamily="49" charset="0"/>
+              </a:rPr>
+            </a:br>
+            <a:r>
+              <a:rPr lang="en-US" sz="2600" dirty="0">
+                <a:latin typeface="Courier New" panose="02070309020205020404" pitchFamily="49" charset="0"/>
+                <a:cs typeface="Courier New" panose="02070309020205020404" pitchFamily="49" charset="0"/>
+              </a:rPr>
+              <a:t>…</a:t>
+            </a:r>
+          </a:p>
+          <a:p>
+            <a:pPr latinLnBrk="1"/>
+            <a:r>
+              <a:rPr lang="en-US" sz="2600" dirty="0">
+                <a:latin typeface="Courier New" panose="02070309020205020404" pitchFamily="49" charset="0"/>
+                <a:cs typeface="Courier New" panose="02070309020205020404" pitchFamily="49" charset="0"/>
+              </a:rPr>
+              <a:t>#reduce two -- </a:t>
+            </a:r>
+            <a:r>
+              <a:rPr lang="en-US" sz="2600" dirty="0" err="1">
+                <a:latin typeface="Courier New" panose="02070309020205020404" pitchFamily="49" charset="0"/>
+                <a:cs typeface="Courier New" panose="02070309020205020404" pitchFamily="49" charset="0"/>
+              </a:rPr>
+              <a:t>mynat.succ</a:t>
+            </a:r>
+            <a:r>
+              <a:rPr lang="en-US" sz="2600" dirty="0">
+                <a:latin typeface="Courier New" panose="02070309020205020404" pitchFamily="49" charset="0"/>
+                <a:cs typeface="Courier New" panose="02070309020205020404" pitchFamily="49" charset="0"/>
+              </a:rPr>
+              <a:t> (</a:t>
+            </a:r>
+            <a:r>
+              <a:rPr lang="en-US" sz="2600" dirty="0" err="1">
+                <a:latin typeface="Courier New" panose="02070309020205020404" pitchFamily="49" charset="0"/>
+                <a:cs typeface="Courier New" panose="02070309020205020404" pitchFamily="49" charset="0"/>
+              </a:rPr>
+              <a:t>mynat.succ</a:t>
+            </a:r>
+            <a:r>
+              <a:rPr lang="en-US" sz="2600" dirty="0">
+                <a:latin typeface="Courier New" panose="02070309020205020404" pitchFamily="49" charset="0"/>
+                <a:cs typeface="Courier New" panose="02070309020205020404" pitchFamily="49" charset="0"/>
+              </a:rPr>
+              <a:t> </a:t>
+            </a:r>
+            <a:r>
+              <a:rPr lang="en-US" sz="2600" dirty="0" err="1">
+                <a:latin typeface="Courier New" panose="02070309020205020404" pitchFamily="49" charset="0"/>
+                <a:cs typeface="Courier New" panose="02070309020205020404" pitchFamily="49" charset="0"/>
+              </a:rPr>
+              <a:t>mynat.zero</a:t>
+            </a:r>
+            <a:r>
+              <a:rPr lang="en-US" sz="2600" dirty="0">
+                <a:latin typeface="Courier New" panose="02070309020205020404" pitchFamily="49" charset="0"/>
+                <a:cs typeface="Courier New" panose="02070309020205020404" pitchFamily="49" charset="0"/>
+              </a:rPr>
+              <a:t>)</a:t>
+            </a:r>
+          </a:p>
+        </p:txBody>
+      </p:sp>
+      <p:sp>
+        <p:nvSpPr>
+          <p:cNvPr id="4" name="Slide Number Placeholder 3">
             <a:extLst>
               <a:ext uri="{FF2B5EF4-FFF2-40B4-BE49-F238E27FC236}">
-                <a16:creationId xmlns:a16="http://schemas.microsoft.com/office/drawing/2014/main" id="{2897127E-6CEF-446C-BE87-93B7C46E49D1}"/>
-              </a:ext>
-              <a:ext uri="{C183D7F6-B498-43B3-948B-1728B52AA6E4}">
-                <adec:decorative xmlns:adec="http://schemas.microsoft.com/office/drawing/2017/decorative" val="1"/>
-              </a:ext>
-            </a:extLst>
-          </p:cNvPr>
-          <p:cNvPicPr>
-            <a:picLocks noGrp="1" noRot="1" noChangeAspect="1" noMove="1" noResize="1" noEditPoints="1" noAdjustHandles="1" noChangeArrowheads="1" noChangeShapeType="1" noCrop="1"/>
-          </p:cNvPicPr>
-          <p:nvPr>
-            <p:extLst>
-              <p:ext uri="{386F3935-93C4-4BCD-93E2-E3B085C9AB24}">
-                <p16:designElem xmlns:p16="http://schemas.microsoft.com/office/powerpoint/2015/main" val="1"/>
-              </p:ext>
-            </p:extLst>
-          </p:nvPr>
-        </p:nvPicPr>
-        <p:blipFill>
-          <a:blip r:embed="rId2">
-            <a:extLst>
-              <a:ext uri="{28A0092B-C50C-407E-A947-70E740481C1C}">
-                <a14:useLocalDpi xmlns:a14="http://schemas.microsoft.com/office/drawing/2010/main" val="0"/>
-              </a:ext>
-            </a:extLst>
-          </a:blip>
-          <a:stretch>
-            <a:fillRect/>
-          </a:stretch>
-        </p:blipFill>
-        <p:spPr>
-          <a:xfrm>
-            <a:off x="0" y="0"/>
-            <a:ext cx="12192000" cy="6858000"/>
-          </a:xfrm>
-          <a:prstGeom prst="rect">
-            <a:avLst/>
-          </a:prstGeom>
-        </p:spPr>
-      </p:pic>
-      <p:sp>
-        <p:nvSpPr>
-          <p:cNvPr id="2" name="Title 1"/>
-          <p:cNvSpPr>
-            <a:spLocks noGrp="1"/>
-          </p:cNvSpPr>
-          <p:nvPr>
-            <p:ph type="title"/>
-          </p:nvPr>
-        </p:nvSpPr>
-        <p:spPr>
-          <a:xfrm>
-            <a:off x="640079" y="2053641"/>
-            <a:ext cx="3669161" cy="2760098"/>
-          </a:xfrm>
-        </p:spPr>
-        <p:txBody>
-          <a:bodyPr>
-            <a:normAutofit/>
-          </a:bodyPr>
-          <a:lstStyle/>
-          <a:p>
-            <a:r>
-              <a:rPr lang="en-US">
-                <a:solidFill>
-                  <a:srgbClr val="FFFFFF"/>
-                </a:solidFill>
-              </a:rPr>
-              <a:t>Fin</a:t>
-            </a:r>
-          </a:p>
-        </p:txBody>
-      </p:sp>
-      <p:sp>
-        <p:nvSpPr>
-          <p:cNvPr id="3" name="Slide Number Placeholder 2">
-            <a:extLst>
-              <a:ext uri="{FF2B5EF4-FFF2-40B4-BE49-F238E27FC236}">
-                <a16:creationId xmlns:a16="http://schemas.microsoft.com/office/drawing/2014/main" id="{44CF5CC1-6533-6043-9D5F-346506703E3A}"/>
+                <a16:creationId xmlns:a16="http://schemas.microsoft.com/office/drawing/2014/main" id="{CD0F093C-AA27-BF4E-B58D-AC34B9CDFEBC}"/>
               </a:ext>
             </a:extLst>
           </p:cNvPr>
@@ -5978,7 +8995,844 @@
     </p:spTree>
     <p:extLst>
       <p:ext uri="{BB962C8B-B14F-4D97-AF65-F5344CB8AC3E}">
-        <p14:creationId xmlns:p14="http://schemas.microsoft.com/office/powerpoint/2010/main" val="628979899"/>
+        <p14:creationId xmlns:p14="http://schemas.microsoft.com/office/powerpoint/2010/main" val="1675571572"/>
+      </p:ext>
+    </p:extLst>
+  </p:cSld>
+  <p:clrMapOvr>
+    <a:masterClrMapping/>
+  </p:clrMapOvr>
+</p:sld>
+</file>
+
+<file path=ppt/slides/slide8.xml><?xml version="1.0" encoding="utf-8"?>
+<p:sld xmlns:a="http://schemas.openxmlformats.org/drawingml/2006/main" xmlns:r="http://schemas.openxmlformats.org/officeDocument/2006/relationships" xmlns:p="http://schemas.openxmlformats.org/presentationml/2006/main">
+  <p:cSld>
+    <p:spTree>
+      <p:nvGrpSpPr>
+        <p:cNvPr id="1" name=""/>
+        <p:cNvGrpSpPr/>
+        <p:nvPr/>
+      </p:nvGrpSpPr>
+      <p:grpSpPr>
+        <a:xfrm>
+          <a:off x="0" y="0"/>
+          <a:ext cx="0" cy="0"/>
+          <a:chOff x="0" y="0"/>
+          <a:chExt cx="0" cy="0"/>
+        </a:xfrm>
+      </p:grpSpPr>
+      <p:sp>
+        <p:nvSpPr>
+          <p:cNvPr id="2" name="Title 1">
+            <a:extLst>
+              <a:ext uri="{FF2B5EF4-FFF2-40B4-BE49-F238E27FC236}">
+                <a16:creationId xmlns:a16="http://schemas.microsoft.com/office/drawing/2014/main" id="{98219EDF-63A6-A94B-9447-01575F4506AD}"/>
+              </a:ext>
+            </a:extLst>
+          </p:cNvPr>
+          <p:cNvSpPr>
+            <a:spLocks noGrp="1"/>
+          </p:cNvSpPr>
+          <p:nvPr>
+            <p:ph type="title"/>
+          </p:nvPr>
+        </p:nvSpPr>
+        <p:spPr/>
+        <p:txBody>
+          <a:bodyPr/>
+          <a:lstStyle/>
+          <a:p>
+            <a:r>
+              <a:rPr lang="en-US" dirty="0"/>
+              <a:t>Predecessor function</a:t>
+            </a:r>
+          </a:p>
+        </p:txBody>
+      </p:sp>
+      <p:sp>
+        <p:nvSpPr>
+          <p:cNvPr id="3" name="Content Placeholder 2">
+            <a:extLst>
+              <a:ext uri="{FF2B5EF4-FFF2-40B4-BE49-F238E27FC236}">
+                <a16:creationId xmlns:a16="http://schemas.microsoft.com/office/drawing/2014/main" id="{D03FB141-B62E-9B43-8BDD-1738310EBCB6}"/>
+              </a:ext>
+            </a:extLst>
+          </p:cNvPr>
+          <p:cNvSpPr>
+            <a:spLocks noGrp="1"/>
+          </p:cNvSpPr>
+          <p:nvPr>
+            <p:ph idx="1"/>
+          </p:nvPr>
+        </p:nvSpPr>
+        <p:spPr/>
+        <p:txBody>
+          <a:bodyPr>
+            <a:normAutofit fontScale="77500" lnSpcReduction="20000"/>
+          </a:bodyPr>
+          <a:lstStyle/>
+          <a:p>
+            <a:pPr marL="0" indent="0">
+              <a:buNone/>
+            </a:pPr>
+            <a:r>
+              <a:rPr lang="en-US" sz="2400" dirty="0">
+                <a:latin typeface="Courier New" panose="02070309020205020404" pitchFamily="49" charset="0"/>
+                <a:cs typeface="Courier New" panose="02070309020205020404" pitchFamily="49" charset="0"/>
+              </a:rPr>
+              <a:t>def pred (n : </a:t>
+            </a:r>
+            <a:r>
+              <a:rPr lang="en-US" sz="2400" dirty="0" err="1">
+                <a:latin typeface="Courier New" panose="02070309020205020404" pitchFamily="49" charset="0"/>
+                <a:cs typeface="Courier New" panose="02070309020205020404" pitchFamily="49" charset="0"/>
+              </a:rPr>
+              <a:t>mynat</a:t>
+            </a:r>
+            <a:r>
+              <a:rPr lang="en-US" sz="2400" dirty="0">
+                <a:latin typeface="Courier New" panose="02070309020205020404" pitchFamily="49" charset="0"/>
+                <a:cs typeface="Courier New" panose="02070309020205020404" pitchFamily="49" charset="0"/>
+              </a:rPr>
+              <a:t>) :=</a:t>
+            </a:r>
+          </a:p>
+          <a:p>
+            <a:pPr marL="0" indent="0">
+              <a:buNone/>
+            </a:pPr>
+            <a:r>
+              <a:rPr lang="en-US" sz="2400" dirty="0">
+                <a:latin typeface="Courier New" panose="02070309020205020404" pitchFamily="49" charset="0"/>
+                <a:cs typeface="Courier New" panose="02070309020205020404" pitchFamily="49" charset="0"/>
+              </a:rPr>
+              <a:t>  match n with</a:t>
+            </a:r>
+          </a:p>
+          <a:p>
+            <a:pPr marL="0" indent="0">
+              <a:buNone/>
+            </a:pPr>
+            <a:r>
+              <a:rPr lang="en-US" sz="2400" dirty="0">
+                <a:latin typeface="Courier New" panose="02070309020205020404" pitchFamily="49" charset="0"/>
+                <a:cs typeface="Courier New" panose="02070309020205020404" pitchFamily="49" charset="0"/>
+              </a:rPr>
+              <a:t>    -- define pred </a:t>
+            </a:r>
+            <a:r>
+              <a:rPr lang="en-US" sz="2400" dirty="0" err="1">
+                <a:latin typeface="Courier New" panose="02070309020205020404" pitchFamily="49" charset="0"/>
+                <a:cs typeface="Courier New" panose="02070309020205020404" pitchFamily="49" charset="0"/>
+              </a:rPr>
+              <a:t>mynat.zero</a:t>
+            </a:r>
+            <a:r>
+              <a:rPr lang="en-US" sz="2400" dirty="0">
+                <a:latin typeface="Courier New" panose="02070309020205020404" pitchFamily="49" charset="0"/>
+                <a:cs typeface="Courier New" panose="02070309020205020404" pitchFamily="49" charset="0"/>
+              </a:rPr>
+              <a:t> to be zero</a:t>
+            </a:r>
+          </a:p>
+          <a:p>
+            <a:pPr marL="0" indent="0">
+              <a:buNone/>
+            </a:pPr>
+            <a:r>
+              <a:rPr lang="en-US" sz="2400" dirty="0">
+                <a:latin typeface="Courier New" panose="02070309020205020404" pitchFamily="49" charset="0"/>
+                <a:cs typeface="Courier New" panose="02070309020205020404" pitchFamily="49" charset="0"/>
+              </a:rPr>
+              <a:t>    | </a:t>
+            </a:r>
+            <a:r>
+              <a:rPr lang="en-US" sz="2400" dirty="0" err="1">
+                <a:latin typeface="Courier New" panose="02070309020205020404" pitchFamily="49" charset="0"/>
+                <a:cs typeface="Courier New" panose="02070309020205020404" pitchFamily="49" charset="0"/>
+              </a:rPr>
+              <a:t>mynat.zero</a:t>
+            </a:r>
+            <a:r>
+              <a:rPr lang="en-US" sz="2400" dirty="0">
+                <a:latin typeface="Courier New" panose="02070309020205020404" pitchFamily="49" charset="0"/>
+                <a:cs typeface="Courier New" panose="02070309020205020404" pitchFamily="49" charset="0"/>
+              </a:rPr>
+              <a:t> := zero</a:t>
+            </a:r>
+          </a:p>
+          <a:p>
+            <a:pPr marL="0" indent="0">
+              <a:buNone/>
+            </a:pPr>
+            <a:r>
+              <a:rPr lang="en-US" sz="2400" dirty="0">
+                <a:latin typeface="Courier New" panose="02070309020205020404" pitchFamily="49" charset="0"/>
+                <a:cs typeface="Courier New" panose="02070309020205020404" pitchFamily="49" charset="0"/>
+              </a:rPr>
+              <a:t>    -- define pred (</a:t>
+            </a:r>
+            <a:r>
+              <a:rPr lang="en-US" sz="2400" dirty="0" err="1">
+                <a:latin typeface="Courier New" panose="02070309020205020404" pitchFamily="49" charset="0"/>
+                <a:cs typeface="Courier New" panose="02070309020205020404" pitchFamily="49" charset="0"/>
+              </a:rPr>
+              <a:t>succ</a:t>
+            </a:r>
+            <a:r>
+              <a:rPr lang="en-US" sz="2400" dirty="0">
+                <a:latin typeface="Courier New" panose="02070309020205020404" pitchFamily="49" charset="0"/>
+                <a:cs typeface="Courier New" panose="02070309020205020404" pitchFamily="49" charset="0"/>
+              </a:rPr>
+              <a:t> n’) to be n’</a:t>
+            </a:r>
+          </a:p>
+          <a:p>
+            <a:pPr marL="0" indent="0">
+              <a:buNone/>
+            </a:pPr>
+            <a:r>
+              <a:rPr lang="en-US" sz="2400" dirty="0">
+                <a:latin typeface="Courier New" panose="02070309020205020404" pitchFamily="49" charset="0"/>
+                <a:cs typeface="Courier New" panose="02070309020205020404" pitchFamily="49" charset="0"/>
+              </a:rPr>
+              <a:t>    | </a:t>
+            </a:r>
+            <a:r>
+              <a:rPr lang="en-US" sz="2400" dirty="0" err="1">
+                <a:latin typeface="Courier New" panose="02070309020205020404" pitchFamily="49" charset="0"/>
+                <a:cs typeface="Courier New" panose="02070309020205020404" pitchFamily="49" charset="0"/>
+              </a:rPr>
+              <a:t>mynat.succ</a:t>
+            </a:r>
+            <a:r>
+              <a:rPr lang="en-US" sz="2400" dirty="0">
+                <a:latin typeface="Courier New" panose="02070309020205020404" pitchFamily="49" charset="0"/>
+                <a:cs typeface="Courier New" panose="02070309020205020404" pitchFamily="49" charset="0"/>
+              </a:rPr>
+              <a:t> n' := n'</a:t>
+            </a:r>
+          </a:p>
+          <a:p>
+            <a:pPr marL="0" indent="0">
+              <a:buNone/>
+            </a:pPr>
+            <a:r>
+              <a:rPr lang="en-US" sz="2400" dirty="0">
+                <a:latin typeface="Courier New" panose="02070309020205020404" pitchFamily="49" charset="0"/>
+                <a:cs typeface="Courier New" panose="02070309020205020404" pitchFamily="49" charset="0"/>
+              </a:rPr>
+              <a:t>  end</a:t>
+            </a:r>
+          </a:p>
+          <a:p>
+            <a:pPr marL="0" indent="0">
+              <a:buNone/>
+            </a:pPr>
+            <a:r>
+              <a:rPr lang="en-US" sz="2400" dirty="0">
+                <a:latin typeface="Courier New" panose="02070309020205020404" pitchFamily="49" charset="0"/>
+                <a:cs typeface="Courier New" panose="02070309020205020404" pitchFamily="49" charset="0"/>
+              </a:rPr>
+              <a:t>#reduce pred three -- </a:t>
+            </a:r>
+            <a:r>
+              <a:rPr lang="en-US" sz="2400" dirty="0" err="1">
+                <a:latin typeface="Courier New" panose="02070309020205020404" pitchFamily="49" charset="0"/>
+                <a:cs typeface="Courier New" panose="02070309020205020404" pitchFamily="49" charset="0"/>
+              </a:rPr>
+              <a:t>mynat.succ</a:t>
+            </a:r>
+            <a:r>
+              <a:rPr lang="en-US" sz="2400" dirty="0">
+                <a:latin typeface="Courier New" panose="02070309020205020404" pitchFamily="49" charset="0"/>
+                <a:cs typeface="Courier New" panose="02070309020205020404" pitchFamily="49" charset="0"/>
+              </a:rPr>
+              <a:t> (</a:t>
+            </a:r>
+            <a:r>
+              <a:rPr lang="en-US" sz="2400" dirty="0" err="1">
+                <a:latin typeface="Courier New" panose="02070309020205020404" pitchFamily="49" charset="0"/>
+                <a:cs typeface="Courier New" panose="02070309020205020404" pitchFamily="49" charset="0"/>
+              </a:rPr>
+              <a:t>mynat.succ</a:t>
+            </a:r>
+            <a:r>
+              <a:rPr lang="en-US" sz="2400" dirty="0">
+                <a:latin typeface="Courier New" panose="02070309020205020404" pitchFamily="49" charset="0"/>
+                <a:cs typeface="Courier New" panose="02070309020205020404" pitchFamily="49" charset="0"/>
+              </a:rPr>
+              <a:t> </a:t>
+            </a:r>
+            <a:r>
+              <a:rPr lang="en-US" sz="2400" dirty="0" err="1">
+                <a:latin typeface="Courier New" panose="02070309020205020404" pitchFamily="49" charset="0"/>
+                <a:cs typeface="Courier New" panose="02070309020205020404" pitchFamily="49" charset="0"/>
+              </a:rPr>
+              <a:t>mynat.zero</a:t>
+            </a:r>
+            <a:r>
+              <a:rPr lang="en-US" sz="2400" dirty="0">
+                <a:latin typeface="Courier New" panose="02070309020205020404" pitchFamily="49" charset="0"/>
+                <a:cs typeface="Courier New" panose="02070309020205020404" pitchFamily="49" charset="0"/>
+              </a:rPr>
+              <a:t>)</a:t>
+            </a:r>
+          </a:p>
+          <a:p>
+            <a:r>
+              <a:rPr lang="en-US" dirty="0"/>
+              <a:t>Compare with definition of </a:t>
+            </a:r>
+            <a:r>
+              <a:rPr lang="en-US" dirty="0" err="1"/>
+              <a:t>mynat</a:t>
+            </a:r>
+            <a:r>
+              <a:rPr lang="en-US" dirty="0"/>
+              <a:t>:</a:t>
+            </a:r>
+          </a:p>
+          <a:p>
+            <a:pPr marL="0" indent="0">
+              <a:buNone/>
+            </a:pPr>
+            <a:r>
+              <a:rPr lang="en-US" sz="2400" dirty="0">
+                <a:latin typeface="Courier New" panose="02070309020205020404" pitchFamily="49" charset="0"/>
+                <a:cs typeface="Courier New" panose="02070309020205020404" pitchFamily="49" charset="0"/>
+              </a:rPr>
+              <a:t>inductive </a:t>
+            </a:r>
+            <a:r>
+              <a:rPr lang="en-US" sz="2400" dirty="0" err="1">
+                <a:latin typeface="Courier New" panose="02070309020205020404" pitchFamily="49" charset="0"/>
+                <a:cs typeface="Courier New" panose="02070309020205020404" pitchFamily="49" charset="0"/>
+              </a:rPr>
+              <a:t>mynat</a:t>
+            </a:r>
+            <a:r>
+              <a:rPr lang="en-US" sz="2400" dirty="0">
+                <a:latin typeface="Courier New" panose="02070309020205020404" pitchFamily="49" charset="0"/>
+                <a:cs typeface="Courier New" panose="02070309020205020404" pitchFamily="49" charset="0"/>
+              </a:rPr>
+              <a:t> : Type </a:t>
+            </a:r>
+          </a:p>
+          <a:p>
+            <a:pPr marL="0" indent="0">
+              <a:buNone/>
+            </a:pPr>
+            <a:r>
+              <a:rPr lang="en-US" sz="2400" dirty="0">
+                <a:latin typeface="Courier New" panose="02070309020205020404" pitchFamily="49" charset="0"/>
+                <a:cs typeface="Courier New" panose="02070309020205020404" pitchFamily="49" charset="0"/>
+              </a:rPr>
+              <a:t>| zero : </a:t>
+            </a:r>
+            <a:r>
+              <a:rPr lang="en-US" sz="2400" dirty="0" err="1">
+                <a:latin typeface="Courier New" panose="02070309020205020404" pitchFamily="49" charset="0"/>
+                <a:cs typeface="Courier New" panose="02070309020205020404" pitchFamily="49" charset="0"/>
+              </a:rPr>
+              <a:t>mynat</a:t>
+            </a:r>
+            <a:endParaRPr lang="en-US" sz="2400" dirty="0">
+              <a:latin typeface="Courier New" panose="02070309020205020404" pitchFamily="49" charset="0"/>
+              <a:cs typeface="Courier New" panose="02070309020205020404" pitchFamily="49" charset="0"/>
+            </a:endParaRPr>
+          </a:p>
+          <a:p>
+            <a:pPr marL="0" indent="0">
+              <a:buNone/>
+            </a:pPr>
+            <a:r>
+              <a:rPr lang="en-US" sz="2400" dirty="0">
+                <a:latin typeface="Courier New" panose="02070309020205020404" pitchFamily="49" charset="0"/>
+                <a:cs typeface="Courier New" panose="02070309020205020404" pitchFamily="49" charset="0"/>
+              </a:rPr>
+              <a:t>| </a:t>
+            </a:r>
+            <a:r>
+              <a:rPr lang="en-US" sz="2400" dirty="0" err="1">
+                <a:latin typeface="Courier New" panose="02070309020205020404" pitchFamily="49" charset="0"/>
+                <a:cs typeface="Courier New" panose="02070309020205020404" pitchFamily="49" charset="0"/>
+              </a:rPr>
+              <a:t>succ</a:t>
+            </a:r>
+            <a:r>
+              <a:rPr lang="en-US" sz="2400" dirty="0">
+                <a:latin typeface="Courier New" panose="02070309020205020404" pitchFamily="49" charset="0"/>
+                <a:cs typeface="Courier New" panose="02070309020205020404" pitchFamily="49" charset="0"/>
+              </a:rPr>
+              <a:t> : </a:t>
+            </a:r>
+            <a:r>
+              <a:rPr lang="en-US" sz="2400" dirty="0" err="1">
+                <a:latin typeface="Courier New" panose="02070309020205020404" pitchFamily="49" charset="0"/>
+                <a:cs typeface="Courier New" panose="02070309020205020404" pitchFamily="49" charset="0"/>
+              </a:rPr>
+              <a:t>mynat</a:t>
+            </a:r>
+            <a:r>
+              <a:rPr lang="en-US" sz="2400" dirty="0">
+                <a:latin typeface="Courier New" panose="02070309020205020404" pitchFamily="49" charset="0"/>
+                <a:cs typeface="Courier New" panose="02070309020205020404" pitchFamily="49" charset="0"/>
+              </a:rPr>
+              <a:t> → </a:t>
+            </a:r>
+            <a:r>
+              <a:rPr lang="en-US" sz="2400" dirty="0" err="1">
+                <a:latin typeface="Courier New" panose="02070309020205020404" pitchFamily="49" charset="0"/>
+                <a:cs typeface="Courier New" panose="02070309020205020404" pitchFamily="49" charset="0"/>
+              </a:rPr>
+              <a:t>mynat</a:t>
+            </a:r>
+            <a:endParaRPr lang="en-US" sz="2400" dirty="0">
+              <a:latin typeface="Courier New" panose="02070309020205020404" pitchFamily="49" charset="0"/>
+              <a:cs typeface="Courier New" panose="02070309020205020404" pitchFamily="49" charset="0"/>
+            </a:endParaRPr>
+          </a:p>
+          <a:p>
+            <a:r>
+              <a:rPr lang="en-US" sz="3100" dirty="0">
+                <a:cs typeface="Courier New" panose="02070309020205020404" pitchFamily="49" charset="0"/>
+              </a:rPr>
+              <a:t>Two cases in definition of </a:t>
+            </a:r>
+            <a:r>
+              <a:rPr lang="en-US" sz="3100" dirty="0" err="1">
+                <a:cs typeface="Courier New" panose="02070309020205020404" pitchFamily="49" charset="0"/>
+              </a:rPr>
+              <a:t>mynat</a:t>
+            </a:r>
+            <a:r>
+              <a:rPr lang="en-US" sz="3100" dirty="0">
+                <a:cs typeface="Courier New" panose="02070309020205020404" pitchFamily="49" charset="0"/>
+              </a:rPr>
+              <a:t> </a:t>
+            </a:r>
+            <a:r>
+              <a:rPr lang="en-US" sz="3100" dirty="0">
+                <a:cs typeface="Courier New" panose="02070309020205020404" pitchFamily="49" charset="0"/>
+                <a:sym typeface="Wingdings" pitchFamily="2" charset="2"/>
+              </a:rPr>
+              <a:t> two cases in definition of pred (typically)</a:t>
+            </a:r>
+            <a:endParaRPr lang="en-US" sz="3100" dirty="0">
+              <a:cs typeface="Courier New" panose="02070309020205020404" pitchFamily="49" charset="0"/>
+            </a:endParaRPr>
+          </a:p>
+        </p:txBody>
+      </p:sp>
+      <p:sp>
+        <p:nvSpPr>
+          <p:cNvPr id="4" name="Slide Number Placeholder 3">
+            <a:extLst>
+              <a:ext uri="{FF2B5EF4-FFF2-40B4-BE49-F238E27FC236}">
+                <a16:creationId xmlns:a16="http://schemas.microsoft.com/office/drawing/2014/main" id="{5B9BE82E-73EC-0B41-9AFD-540F57A76F81}"/>
+              </a:ext>
+            </a:extLst>
+          </p:cNvPr>
+          <p:cNvSpPr>
+            <a:spLocks noGrp="1"/>
+          </p:cNvSpPr>
+          <p:nvPr>
+            <p:ph type="sldNum" sz="quarter" idx="12"/>
+          </p:nvPr>
+        </p:nvSpPr>
+        <p:spPr/>
+        <p:txBody>
+          <a:bodyPr/>
+          <a:lstStyle/>
+          <a:p>
+            <a:fld id="{3352CBF5-17B8-4387-88A6-ABF9F8C64D5A}" type="slidenum">
+              <a:rPr lang="en-US" smtClean="0"/>
+              <a:t>8</a:t>
+            </a:fld>
+            <a:endParaRPr lang="en-US"/>
+          </a:p>
+        </p:txBody>
+      </p:sp>
+    </p:spTree>
+    <p:extLst>
+      <p:ext uri="{BB962C8B-B14F-4D97-AF65-F5344CB8AC3E}">
+        <p14:creationId xmlns:p14="http://schemas.microsoft.com/office/powerpoint/2010/main" val="1993506051"/>
+      </p:ext>
+    </p:extLst>
+  </p:cSld>
+  <p:clrMapOvr>
+    <a:masterClrMapping/>
+  </p:clrMapOvr>
+</p:sld>
+</file>
+
+<file path=ppt/slides/slide9.xml><?xml version="1.0" encoding="utf-8"?>
+<p:sld xmlns:a="http://schemas.openxmlformats.org/drawingml/2006/main" xmlns:r="http://schemas.openxmlformats.org/officeDocument/2006/relationships" xmlns:p="http://schemas.openxmlformats.org/presentationml/2006/main">
+  <p:cSld>
+    <p:spTree>
+      <p:nvGrpSpPr>
+        <p:cNvPr id="1" name=""/>
+        <p:cNvGrpSpPr/>
+        <p:nvPr/>
+      </p:nvGrpSpPr>
+      <p:grpSpPr>
+        <a:xfrm>
+          <a:off x="0" y="0"/>
+          <a:ext cx="0" cy="0"/>
+          <a:chOff x="0" y="0"/>
+          <a:chExt cx="0" cy="0"/>
+        </a:xfrm>
+      </p:grpSpPr>
+      <p:sp>
+        <p:nvSpPr>
+          <p:cNvPr id="2" name="Title 1">
+            <a:extLst>
+              <a:ext uri="{FF2B5EF4-FFF2-40B4-BE49-F238E27FC236}">
+                <a16:creationId xmlns:a16="http://schemas.microsoft.com/office/drawing/2014/main" id="{D02FFA52-DB02-2647-B3FD-7843E54A2953}"/>
+              </a:ext>
+            </a:extLst>
+          </p:cNvPr>
+          <p:cNvSpPr>
+            <a:spLocks noGrp="1"/>
+          </p:cNvSpPr>
+          <p:nvPr>
+            <p:ph type="title"/>
+          </p:nvPr>
+        </p:nvSpPr>
+        <p:spPr/>
+        <p:txBody>
+          <a:bodyPr/>
+          <a:lstStyle/>
+          <a:p>
+            <a:r>
+              <a:rPr lang="en-US" dirty="0"/>
+              <a:t>Addition function</a:t>
+            </a:r>
+          </a:p>
+        </p:txBody>
+      </p:sp>
+      <p:sp>
+        <p:nvSpPr>
+          <p:cNvPr id="3" name="Content Placeholder 2">
+            <a:extLst>
+              <a:ext uri="{FF2B5EF4-FFF2-40B4-BE49-F238E27FC236}">
+                <a16:creationId xmlns:a16="http://schemas.microsoft.com/office/drawing/2014/main" id="{E07FB4A8-32D7-9E42-81E2-7902671E3E23}"/>
+              </a:ext>
+            </a:extLst>
+          </p:cNvPr>
+          <p:cNvSpPr>
+            <a:spLocks noGrp="1"/>
+          </p:cNvSpPr>
+          <p:nvPr>
+            <p:ph idx="1"/>
+          </p:nvPr>
+        </p:nvSpPr>
+        <p:spPr/>
+        <p:txBody>
+          <a:bodyPr>
+            <a:normAutofit fontScale="92500" lnSpcReduction="10000"/>
+          </a:bodyPr>
+          <a:lstStyle/>
+          <a:p>
+            <a:pPr marL="0" indent="0">
+              <a:buNone/>
+            </a:pPr>
+            <a:r>
+              <a:rPr lang="en-US" sz="2400" dirty="0">
+                <a:latin typeface="Courier New" panose="02070309020205020404" pitchFamily="49" charset="0"/>
+                <a:cs typeface="Courier New" panose="02070309020205020404" pitchFamily="49" charset="0"/>
+              </a:rPr>
+              <a:t>def </a:t>
+            </a:r>
+            <a:r>
+              <a:rPr lang="en-US" sz="2400" dirty="0" err="1">
+                <a:latin typeface="Courier New" panose="02070309020205020404" pitchFamily="49" charset="0"/>
+                <a:cs typeface="Courier New" panose="02070309020205020404" pitchFamily="49" charset="0"/>
+              </a:rPr>
+              <a:t>add_mynat</a:t>
+            </a:r>
+            <a:r>
+              <a:rPr lang="en-US" sz="2400" dirty="0">
+                <a:latin typeface="Courier New" panose="02070309020205020404" pitchFamily="49" charset="0"/>
+                <a:cs typeface="Courier New" panose="02070309020205020404" pitchFamily="49" charset="0"/>
+              </a:rPr>
+              <a:t>: </a:t>
+            </a:r>
+            <a:r>
+              <a:rPr lang="en-US" sz="2400" dirty="0" err="1">
+                <a:latin typeface="Courier New" panose="02070309020205020404" pitchFamily="49" charset="0"/>
+                <a:cs typeface="Courier New" panose="02070309020205020404" pitchFamily="49" charset="0"/>
+              </a:rPr>
+              <a:t>mynat</a:t>
+            </a:r>
+            <a:r>
+              <a:rPr lang="en-US" sz="2400" dirty="0">
+                <a:latin typeface="Courier New" panose="02070309020205020404" pitchFamily="49" charset="0"/>
+                <a:cs typeface="Courier New" panose="02070309020205020404" pitchFamily="49" charset="0"/>
+              </a:rPr>
+              <a:t> → </a:t>
+            </a:r>
+            <a:r>
+              <a:rPr lang="en-US" sz="2400" dirty="0" err="1">
+                <a:latin typeface="Courier New" panose="02070309020205020404" pitchFamily="49" charset="0"/>
+                <a:cs typeface="Courier New" panose="02070309020205020404" pitchFamily="49" charset="0"/>
+              </a:rPr>
+              <a:t>mynat</a:t>
+            </a:r>
+            <a:r>
+              <a:rPr lang="en-US" sz="2400" dirty="0">
+                <a:latin typeface="Courier New" panose="02070309020205020404" pitchFamily="49" charset="0"/>
+                <a:cs typeface="Courier New" panose="02070309020205020404" pitchFamily="49" charset="0"/>
+              </a:rPr>
+              <a:t> → </a:t>
+            </a:r>
+            <a:r>
+              <a:rPr lang="en-US" sz="2400" dirty="0" err="1">
+                <a:latin typeface="Courier New" panose="02070309020205020404" pitchFamily="49" charset="0"/>
+                <a:cs typeface="Courier New" panose="02070309020205020404" pitchFamily="49" charset="0"/>
+              </a:rPr>
+              <a:t>mynat</a:t>
+            </a:r>
+            <a:endParaRPr lang="en-US" sz="2400" dirty="0">
+              <a:latin typeface="Courier New" panose="02070309020205020404" pitchFamily="49" charset="0"/>
+              <a:cs typeface="Courier New" panose="02070309020205020404" pitchFamily="49" charset="0"/>
+            </a:endParaRPr>
+          </a:p>
+          <a:p>
+            <a:pPr marL="0" indent="0">
+              <a:buNone/>
+            </a:pPr>
+            <a:r>
+              <a:rPr lang="en-US" sz="2400" dirty="0">
+                <a:latin typeface="Courier New" panose="02070309020205020404" pitchFamily="49" charset="0"/>
+                <a:cs typeface="Courier New" panose="02070309020205020404" pitchFamily="49" charset="0"/>
+              </a:rPr>
+              <a:t>-- base case</a:t>
+            </a:r>
+          </a:p>
+          <a:p>
+            <a:pPr marL="0" indent="0">
+              <a:buNone/>
+            </a:pPr>
+            <a:r>
+              <a:rPr lang="en-US" sz="2400" dirty="0">
+                <a:latin typeface="Courier New" panose="02070309020205020404" pitchFamily="49" charset="0"/>
+                <a:cs typeface="Courier New" panose="02070309020205020404" pitchFamily="49" charset="0"/>
+              </a:rPr>
+              <a:t>| </a:t>
+            </a:r>
+            <a:r>
+              <a:rPr lang="en-US" sz="2400" dirty="0" err="1">
+                <a:latin typeface="Courier New" panose="02070309020205020404" pitchFamily="49" charset="0"/>
+                <a:cs typeface="Courier New" panose="02070309020205020404" pitchFamily="49" charset="0"/>
+              </a:rPr>
+              <a:t>mynat.zero</a:t>
+            </a:r>
+            <a:r>
+              <a:rPr lang="en-US" sz="2400" dirty="0">
+                <a:latin typeface="Courier New" panose="02070309020205020404" pitchFamily="49" charset="0"/>
+                <a:cs typeface="Courier New" panose="02070309020205020404" pitchFamily="49" charset="0"/>
+              </a:rPr>
+              <a:t> m := m</a:t>
+            </a:r>
+          </a:p>
+          <a:p>
+            <a:pPr marL="0" indent="0">
+              <a:buNone/>
+            </a:pPr>
+            <a:r>
+              <a:rPr lang="en-US" sz="2400" dirty="0">
+                <a:latin typeface="Courier New" panose="02070309020205020404" pitchFamily="49" charset="0"/>
+                <a:cs typeface="Courier New" panose="02070309020205020404" pitchFamily="49" charset="0"/>
+              </a:rPr>
+              <a:t>-- recursive case: invokes </a:t>
+            </a:r>
+            <a:r>
+              <a:rPr lang="en-US" sz="2400" dirty="0" err="1">
+                <a:latin typeface="Courier New" panose="02070309020205020404" pitchFamily="49" charset="0"/>
+                <a:cs typeface="Courier New" panose="02070309020205020404" pitchFamily="49" charset="0"/>
+              </a:rPr>
+              <a:t>add_mynat</a:t>
+            </a:r>
+            <a:endParaRPr lang="en-US" sz="2400" dirty="0">
+              <a:latin typeface="Courier New" panose="02070309020205020404" pitchFamily="49" charset="0"/>
+              <a:cs typeface="Courier New" panose="02070309020205020404" pitchFamily="49" charset="0"/>
+            </a:endParaRPr>
+          </a:p>
+          <a:p>
+            <a:pPr marL="0" indent="0">
+              <a:buNone/>
+            </a:pPr>
+            <a:r>
+              <a:rPr lang="en-US" sz="2400" dirty="0">
+                <a:latin typeface="Courier New" panose="02070309020205020404" pitchFamily="49" charset="0"/>
+                <a:cs typeface="Courier New" panose="02070309020205020404" pitchFamily="49" charset="0"/>
+              </a:rPr>
+              <a:t>| (</a:t>
+            </a:r>
+            <a:r>
+              <a:rPr lang="en-US" sz="2400" dirty="0" err="1">
+                <a:latin typeface="Courier New" panose="02070309020205020404" pitchFamily="49" charset="0"/>
+                <a:cs typeface="Courier New" panose="02070309020205020404" pitchFamily="49" charset="0"/>
+              </a:rPr>
+              <a:t>mynat.succ</a:t>
+            </a:r>
+            <a:r>
+              <a:rPr lang="en-US" sz="2400" dirty="0">
+                <a:latin typeface="Courier New" panose="02070309020205020404" pitchFamily="49" charset="0"/>
+                <a:cs typeface="Courier New" panose="02070309020205020404" pitchFamily="49" charset="0"/>
+              </a:rPr>
+              <a:t> n') m :=</a:t>
+            </a:r>
+          </a:p>
+          <a:p>
+            <a:pPr marL="0" indent="0">
+              <a:buNone/>
+            </a:pPr>
+            <a:r>
+              <a:rPr lang="en-US" sz="2400" dirty="0">
+                <a:latin typeface="Courier New" panose="02070309020205020404" pitchFamily="49" charset="0"/>
+                <a:cs typeface="Courier New" panose="02070309020205020404" pitchFamily="49" charset="0"/>
+              </a:rPr>
+              <a:t>     </a:t>
+            </a:r>
+            <a:r>
+              <a:rPr lang="en-US" sz="2400" dirty="0" err="1">
+                <a:latin typeface="Courier New" panose="02070309020205020404" pitchFamily="49" charset="0"/>
+                <a:cs typeface="Courier New" panose="02070309020205020404" pitchFamily="49" charset="0"/>
+              </a:rPr>
+              <a:t>mynat.succ</a:t>
+            </a:r>
+            <a:r>
+              <a:rPr lang="en-US" sz="2400" dirty="0">
+                <a:latin typeface="Courier New" panose="02070309020205020404" pitchFamily="49" charset="0"/>
+                <a:cs typeface="Courier New" panose="02070309020205020404" pitchFamily="49" charset="0"/>
+              </a:rPr>
+              <a:t> (</a:t>
+            </a:r>
+            <a:r>
+              <a:rPr lang="en-US" sz="2400" dirty="0" err="1">
+                <a:latin typeface="Courier New" panose="02070309020205020404" pitchFamily="49" charset="0"/>
+                <a:cs typeface="Courier New" panose="02070309020205020404" pitchFamily="49" charset="0"/>
+              </a:rPr>
+              <a:t>add_mynat</a:t>
+            </a:r>
+            <a:r>
+              <a:rPr lang="en-US" sz="2400" dirty="0">
+                <a:latin typeface="Courier New" panose="02070309020205020404" pitchFamily="49" charset="0"/>
+                <a:cs typeface="Courier New" panose="02070309020205020404" pitchFamily="49" charset="0"/>
+              </a:rPr>
+              <a:t> n’ m)</a:t>
+            </a:r>
+          </a:p>
+          <a:p>
+            <a:pPr marL="0" indent="0">
+              <a:buNone/>
+            </a:pPr>
+            <a:r>
+              <a:rPr lang="en-US" sz="2400" dirty="0">
+                <a:latin typeface="Courier New" panose="02070309020205020404" pitchFamily="49" charset="0"/>
+                <a:cs typeface="Courier New" panose="02070309020205020404" pitchFamily="49" charset="0"/>
+              </a:rPr>
+              <a:t>-- (n' + 1) + m = (n' + m) + 1</a:t>
+            </a:r>
+          </a:p>
+          <a:p>
+            <a:pPr marL="0" indent="0">
+              <a:buNone/>
+            </a:pPr>
+            <a:r>
+              <a:rPr lang="en-US" sz="2400" dirty="0">
+                <a:latin typeface="Courier New" panose="02070309020205020404" pitchFamily="49" charset="0"/>
+                <a:cs typeface="Courier New" panose="02070309020205020404" pitchFamily="49" charset="0"/>
+              </a:rPr>
+              <a:t>-- or, n + m = (n – 1 + m) + 1</a:t>
+            </a:r>
+          </a:p>
+          <a:p>
+            <a:pPr marL="0" indent="0">
+              <a:buNone/>
+            </a:pPr>
+            <a:r>
+              <a:rPr lang="en-US" sz="2400" dirty="0">
+                <a:latin typeface="Courier New" panose="02070309020205020404" pitchFamily="49" charset="0"/>
+                <a:cs typeface="Courier New" panose="02070309020205020404" pitchFamily="49" charset="0"/>
+              </a:rPr>
+              <a:t>-- stops when n gets to base case (zero)</a:t>
+            </a:r>
+          </a:p>
+          <a:p>
+            <a:pPr marL="0" indent="0">
+              <a:buNone/>
+            </a:pPr>
+            <a:endParaRPr lang="en-US" sz="2400" dirty="0">
+              <a:latin typeface="Courier New" panose="02070309020205020404" pitchFamily="49" charset="0"/>
+              <a:cs typeface="Courier New" panose="02070309020205020404" pitchFamily="49" charset="0"/>
+            </a:endParaRPr>
+          </a:p>
+          <a:p>
+            <a:pPr marL="0" indent="0">
+              <a:buNone/>
+            </a:pPr>
+            <a:r>
+              <a:rPr lang="en-US" sz="2400" dirty="0">
+                <a:latin typeface="Courier New" panose="02070309020205020404" pitchFamily="49" charset="0"/>
+                <a:cs typeface="Courier New" panose="02070309020205020404" pitchFamily="49" charset="0"/>
+              </a:rPr>
+              <a:t>#reduce </a:t>
+            </a:r>
+            <a:r>
+              <a:rPr lang="en-US" sz="2400" dirty="0" err="1">
+                <a:latin typeface="Courier New" panose="02070309020205020404" pitchFamily="49" charset="0"/>
+                <a:cs typeface="Courier New" panose="02070309020205020404" pitchFamily="49" charset="0"/>
+              </a:rPr>
+              <a:t>add_mynat</a:t>
+            </a:r>
+            <a:r>
+              <a:rPr lang="en-US" sz="2400" dirty="0">
+                <a:latin typeface="Courier New" panose="02070309020205020404" pitchFamily="49" charset="0"/>
+                <a:cs typeface="Courier New" panose="02070309020205020404" pitchFamily="49" charset="0"/>
+              </a:rPr>
+              <a:t> three two</a:t>
+            </a:r>
+          </a:p>
+        </p:txBody>
+      </p:sp>
+      <p:sp>
+        <p:nvSpPr>
+          <p:cNvPr id="4" name="Slide Number Placeholder 3">
+            <a:extLst>
+              <a:ext uri="{FF2B5EF4-FFF2-40B4-BE49-F238E27FC236}">
+                <a16:creationId xmlns:a16="http://schemas.microsoft.com/office/drawing/2014/main" id="{EDC8DD45-FB63-DD4B-AF39-900856596140}"/>
+              </a:ext>
+            </a:extLst>
+          </p:cNvPr>
+          <p:cNvSpPr>
+            <a:spLocks noGrp="1"/>
+          </p:cNvSpPr>
+          <p:nvPr>
+            <p:ph type="sldNum" sz="quarter" idx="12"/>
+          </p:nvPr>
+        </p:nvSpPr>
+        <p:spPr/>
+        <p:txBody>
+          <a:bodyPr/>
+          <a:lstStyle/>
+          <a:p>
+            <a:fld id="{3352CBF5-17B8-4387-88A6-ABF9F8C64D5A}" type="slidenum">
+              <a:rPr lang="en-US" smtClean="0"/>
+              <a:t>9</a:t>
+            </a:fld>
+            <a:endParaRPr lang="en-US"/>
+          </a:p>
+        </p:txBody>
+      </p:sp>
+    </p:spTree>
+    <p:extLst>
+      <p:ext uri="{BB962C8B-B14F-4D97-AF65-F5344CB8AC3E}">
+        <p14:creationId xmlns:p14="http://schemas.microsoft.com/office/powerpoint/2010/main" val="2561526724"/>
       </p:ext>
     </p:extLst>
   </p:cSld>
